--- a/Emitent-2-PPRA.pptx
+++ b/Emitent-2-PPRA.pptx
@@ -7,14 +7,24 @@
   <p:sldIdLst>
     <p:sldId id="256" r:id="rId2"/>
     <p:sldId id="258" r:id="rId3"/>
-    <p:sldId id="259" r:id="rId4"/>
-    <p:sldId id="260" r:id="rId5"/>
-    <p:sldId id="261" r:id="rId6"/>
-    <p:sldId id="264" r:id="rId7"/>
-    <p:sldId id="263" r:id="rId8"/>
-    <p:sldId id="262" r:id="rId9"/>
-    <p:sldId id="265" r:id="rId10"/>
-    <p:sldId id="266" r:id="rId11"/>
+    <p:sldId id="267" r:id="rId4"/>
+    <p:sldId id="268" r:id="rId5"/>
+    <p:sldId id="269" r:id="rId6"/>
+    <p:sldId id="270" r:id="rId7"/>
+    <p:sldId id="271" r:id="rId8"/>
+    <p:sldId id="272" r:id="rId9"/>
+    <p:sldId id="273" r:id="rId10"/>
+    <p:sldId id="274" r:id="rId11"/>
+    <p:sldId id="275" r:id="rId12"/>
+    <p:sldId id="276" r:id="rId13"/>
+    <p:sldId id="259" r:id="rId14"/>
+    <p:sldId id="260" r:id="rId15"/>
+    <p:sldId id="261" r:id="rId16"/>
+    <p:sldId id="264" r:id="rId17"/>
+    <p:sldId id="263" r:id="rId18"/>
+    <p:sldId id="262" r:id="rId19"/>
+    <p:sldId id="265" r:id="rId20"/>
+    <p:sldId id="266" r:id="rId21"/>
   </p:sldIdLst>
   <p:sldSz cx="12192000" cy="6858000"/>
   <p:notesSz cx="6858000" cy="9144000"/>
@@ -113,6 +123,11 @@
       </a:defRPr>
     </a:lvl9pPr>
   </p:defaultTextStyle>
+  <p:extLst>
+    <p:ext uri="{EFAFB233-063F-42B5-8137-9DF3F51BA10A}">
+      <p15:sldGuideLst xmlns:p15="http://schemas.microsoft.com/office/powerpoint/2012/main"/>
+    </p:ext>
+  </p:extLst>
 </p:presentation>
 </file>
 
@@ -3420,6 +3435,403 @@
       </p:grpSpPr>
       <p:sp>
         <p:nvSpPr>
+          <p:cNvPr id="2" name="Title 1">
+            <a:extLst>
+              <a:ext uri="{FF2B5EF4-FFF2-40B4-BE49-F238E27FC236}">
+                <a16:creationId xmlns:a16="http://schemas.microsoft.com/office/drawing/2014/main" id="{398B77E0-C3AC-496A-87EC-E9A1FBFD1637}"/>
+              </a:ext>
+            </a:extLst>
+          </p:cNvPr>
+          <p:cNvSpPr>
+            <a:spLocks noGrp="1"/>
+          </p:cNvSpPr>
+          <p:nvPr>
+            <p:ph type="title"/>
+          </p:nvPr>
+        </p:nvSpPr>
+        <p:spPr/>
+        <p:txBody>
+          <a:bodyPr/>
+          <a:lstStyle/>
+          <a:p>
+            <a:r>
+              <a:rPr lang="en-US"/>
+              <a:t>Zarys całego procesu</a:t>
+            </a:r>
+          </a:p>
+        </p:txBody>
+      </p:sp>
+      <p:pic>
+        <p:nvPicPr>
+          <p:cNvPr id="5" name="Content Placeholder 4">
+            <a:extLst>
+              <a:ext uri="{FF2B5EF4-FFF2-40B4-BE49-F238E27FC236}">
+                <a16:creationId xmlns:a16="http://schemas.microsoft.com/office/drawing/2014/main" id="{7B72DEA7-E12C-46B2-A944-97AEC76964E8}"/>
+              </a:ext>
+            </a:extLst>
+          </p:cNvPr>
+          <p:cNvPicPr>
+            <a:picLocks noGrp="1" noChangeAspect="1"/>
+          </p:cNvPicPr>
+          <p:nvPr>
+            <p:ph idx="1"/>
+          </p:nvPr>
+        </p:nvPicPr>
+        <p:blipFill>
+          <a:blip r:embed="rId2">
+            <a:extLst>
+              <a:ext uri="{28A0092B-C50C-407E-A947-70E740481C1C}">
+                <a14:useLocalDpi xmlns:a14="http://schemas.microsoft.com/office/drawing/2010/main" val="0"/>
+              </a:ext>
+            </a:extLst>
+          </a:blip>
+          <a:srcRect/>
+          <a:stretch/>
+        </p:blipFill>
+        <p:spPr>
+          <a:xfrm>
+            <a:off x="2136863" y="1825625"/>
+            <a:ext cx="7918273" cy="4351335"/>
+          </a:xfrm>
+        </p:spPr>
+      </p:pic>
+    </p:spTree>
+    <p:extLst>
+      <p:ext uri="{BB962C8B-B14F-4D97-AF65-F5344CB8AC3E}">
+        <p14:creationId xmlns:p14="http://schemas.microsoft.com/office/powerpoint/2010/main" val="3732130279"/>
+      </p:ext>
+    </p:extLst>
+  </p:cSld>
+  <p:clrMapOvr>
+    <a:masterClrMapping/>
+  </p:clrMapOvr>
+</p:sld>
+</file>
+
+<file path=ppt/slides/slide11.xml><?xml version="1.0" encoding="utf-8"?>
+<p:sld xmlns:a="http://schemas.openxmlformats.org/drawingml/2006/main" xmlns:r="http://schemas.openxmlformats.org/officeDocument/2006/relationships" xmlns:p="http://schemas.openxmlformats.org/presentationml/2006/main">
+  <p:cSld>
+    <p:spTree>
+      <p:nvGrpSpPr>
+        <p:cNvPr id="1" name=""/>
+        <p:cNvGrpSpPr/>
+        <p:nvPr/>
+      </p:nvGrpSpPr>
+      <p:grpSpPr>
+        <a:xfrm>
+          <a:off x="0" y="0"/>
+          <a:ext cx="0" cy="0"/>
+          <a:chOff x="0" y="0"/>
+          <a:chExt cx="0" cy="0"/>
+        </a:xfrm>
+      </p:grpSpPr>
+      <p:sp>
+        <p:nvSpPr>
+          <p:cNvPr id="2" name="Title 1">
+            <a:extLst>
+              <a:ext uri="{FF2B5EF4-FFF2-40B4-BE49-F238E27FC236}">
+                <a16:creationId xmlns:a16="http://schemas.microsoft.com/office/drawing/2014/main" id="{398B77E0-C3AC-496A-87EC-E9A1FBFD1637}"/>
+              </a:ext>
+            </a:extLst>
+          </p:cNvPr>
+          <p:cNvSpPr>
+            <a:spLocks noGrp="1"/>
+          </p:cNvSpPr>
+          <p:nvPr>
+            <p:ph type="title"/>
+          </p:nvPr>
+        </p:nvSpPr>
+        <p:spPr/>
+        <p:txBody>
+          <a:bodyPr/>
+          <a:lstStyle/>
+          <a:p>
+            <a:r>
+              <a:rPr lang="en-US"/>
+              <a:t>Zarys całego procesu</a:t>
+            </a:r>
+          </a:p>
+        </p:txBody>
+      </p:sp>
+      <p:pic>
+        <p:nvPicPr>
+          <p:cNvPr id="5" name="Content Placeholder 4">
+            <a:extLst>
+              <a:ext uri="{FF2B5EF4-FFF2-40B4-BE49-F238E27FC236}">
+                <a16:creationId xmlns:a16="http://schemas.microsoft.com/office/drawing/2014/main" id="{7B72DEA7-E12C-46B2-A944-97AEC76964E8}"/>
+              </a:ext>
+            </a:extLst>
+          </p:cNvPr>
+          <p:cNvPicPr>
+            <a:picLocks noGrp="1" noChangeAspect="1"/>
+          </p:cNvPicPr>
+          <p:nvPr>
+            <p:ph idx="1"/>
+          </p:nvPr>
+        </p:nvPicPr>
+        <p:blipFill>
+          <a:blip r:embed="rId2">
+            <a:extLst>
+              <a:ext uri="{28A0092B-C50C-407E-A947-70E740481C1C}">
+                <a14:useLocalDpi xmlns:a14="http://schemas.microsoft.com/office/drawing/2010/main" val="0"/>
+              </a:ext>
+            </a:extLst>
+          </a:blip>
+          <a:srcRect/>
+          <a:stretch/>
+        </p:blipFill>
+        <p:spPr>
+          <a:xfrm>
+            <a:off x="2136863" y="1825625"/>
+            <a:ext cx="7918273" cy="4351334"/>
+          </a:xfrm>
+        </p:spPr>
+      </p:pic>
+    </p:spTree>
+    <p:extLst>
+      <p:ext uri="{BB962C8B-B14F-4D97-AF65-F5344CB8AC3E}">
+        <p14:creationId xmlns:p14="http://schemas.microsoft.com/office/powerpoint/2010/main" val="2512941796"/>
+      </p:ext>
+    </p:extLst>
+  </p:cSld>
+  <p:clrMapOvr>
+    <a:masterClrMapping/>
+  </p:clrMapOvr>
+</p:sld>
+</file>
+
+<file path=ppt/slides/slide12.xml><?xml version="1.0" encoding="utf-8"?>
+<p:sld xmlns:a="http://schemas.openxmlformats.org/drawingml/2006/main" xmlns:r="http://schemas.openxmlformats.org/officeDocument/2006/relationships" xmlns:p="http://schemas.openxmlformats.org/presentationml/2006/main">
+  <p:cSld>
+    <p:spTree>
+      <p:nvGrpSpPr>
+        <p:cNvPr id="1" name=""/>
+        <p:cNvGrpSpPr/>
+        <p:nvPr/>
+      </p:nvGrpSpPr>
+      <p:grpSpPr>
+        <a:xfrm>
+          <a:off x="0" y="0"/>
+          <a:ext cx="0" cy="0"/>
+          <a:chOff x="0" y="0"/>
+          <a:chExt cx="0" cy="0"/>
+        </a:xfrm>
+      </p:grpSpPr>
+      <p:sp>
+        <p:nvSpPr>
+          <p:cNvPr id="2" name="Title 1">
+            <a:extLst>
+              <a:ext uri="{FF2B5EF4-FFF2-40B4-BE49-F238E27FC236}">
+                <a16:creationId xmlns:a16="http://schemas.microsoft.com/office/drawing/2014/main" id="{398B77E0-C3AC-496A-87EC-E9A1FBFD1637}"/>
+              </a:ext>
+            </a:extLst>
+          </p:cNvPr>
+          <p:cNvSpPr>
+            <a:spLocks noGrp="1"/>
+          </p:cNvSpPr>
+          <p:nvPr>
+            <p:ph type="title"/>
+          </p:nvPr>
+        </p:nvSpPr>
+        <p:spPr/>
+        <p:txBody>
+          <a:bodyPr/>
+          <a:lstStyle/>
+          <a:p>
+            <a:r>
+              <a:rPr lang="en-US"/>
+              <a:t>Zarys całego procesu</a:t>
+            </a:r>
+          </a:p>
+        </p:txBody>
+      </p:sp>
+      <p:pic>
+        <p:nvPicPr>
+          <p:cNvPr id="5" name="Content Placeholder 4">
+            <a:extLst>
+              <a:ext uri="{FF2B5EF4-FFF2-40B4-BE49-F238E27FC236}">
+                <a16:creationId xmlns:a16="http://schemas.microsoft.com/office/drawing/2014/main" id="{7B72DEA7-E12C-46B2-A944-97AEC76964E8}"/>
+              </a:ext>
+            </a:extLst>
+          </p:cNvPr>
+          <p:cNvPicPr>
+            <a:picLocks noGrp="1" noChangeAspect="1"/>
+          </p:cNvPicPr>
+          <p:nvPr>
+            <p:ph idx="1"/>
+          </p:nvPr>
+        </p:nvPicPr>
+        <p:blipFill>
+          <a:blip r:embed="rId2">
+            <a:extLst>
+              <a:ext uri="{28A0092B-C50C-407E-A947-70E740481C1C}">
+                <a14:useLocalDpi xmlns:a14="http://schemas.microsoft.com/office/drawing/2010/main" val="0"/>
+              </a:ext>
+            </a:extLst>
+          </a:blip>
+          <a:srcRect/>
+          <a:stretch/>
+        </p:blipFill>
+        <p:spPr>
+          <a:xfrm>
+            <a:off x="2136864" y="1825625"/>
+            <a:ext cx="7918271" cy="4351334"/>
+          </a:xfrm>
+        </p:spPr>
+      </p:pic>
+    </p:spTree>
+    <p:extLst>
+      <p:ext uri="{BB962C8B-B14F-4D97-AF65-F5344CB8AC3E}">
+        <p14:creationId xmlns:p14="http://schemas.microsoft.com/office/powerpoint/2010/main" val="2667579269"/>
+      </p:ext>
+    </p:extLst>
+  </p:cSld>
+  <p:clrMapOvr>
+    <a:masterClrMapping/>
+  </p:clrMapOvr>
+</p:sld>
+</file>
+
+<file path=ppt/slides/slide13.xml><?xml version="1.0" encoding="utf-8"?>
+<p:sld xmlns:a="http://schemas.openxmlformats.org/drawingml/2006/main" xmlns:r="http://schemas.openxmlformats.org/officeDocument/2006/relationships" xmlns:p="http://schemas.openxmlformats.org/presentationml/2006/main">
+  <p:cSld>
+    <p:spTree>
+      <p:nvGrpSpPr>
+        <p:cNvPr id="1" name=""/>
+        <p:cNvGrpSpPr/>
+        <p:nvPr/>
+      </p:nvGrpSpPr>
+      <p:grpSpPr>
+        <a:xfrm>
+          <a:off x="0" y="0"/>
+          <a:ext cx="0" cy="0"/>
+          <a:chOff x="0" y="0"/>
+          <a:chExt cx="0" cy="0"/>
+        </a:xfrm>
+      </p:grpSpPr>
+      <p:sp>
+        <p:nvSpPr>
+          <p:cNvPr id="2" name="Title 1">
+            <a:extLst>
+              <a:ext uri="{FF2B5EF4-FFF2-40B4-BE49-F238E27FC236}">
+                <a16:creationId xmlns:a16="http://schemas.microsoft.com/office/drawing/2014/main" id="{398B77E0-C3AC-496A-87EC-E9A1FBFD1637}"/>
+              </a:ext>
+            </a:extLst>
+          </p:cNvPr>
+          <p:cNvSpPr>
+            <a:spLocks noGrp="1"/>
+          </p:cNvSpPr>
+          <p:nvPr>
+            <p:ph type="title"/>
+          </p:nvPr>
+        </p:nvSpPr>
+        <p:spPr/>
+        <p:txBody>
+          <a:bodyPr/>
+          <a:lstStyle/>
+          <a:p>
+            <a:r>
+              <a:rPr lang="en-US"/>
+              <a:t>Zarys całego procesu</a:t>
+            </a:r>
+          </a:p>
+        </p:txBody>
+      </p:sp>
+      <p:pic>
+        <p:nvPicPr>
+          <p:cNvPr id="5" name="Content Placeholder 4" descr="A screenshot of a computer&#10;&#10;Description automatically generated">
+            <a:extLst>
+              <a:ext uri="{FF2B5EF4-FFF2-40B4-BE49-F238E27FC236}">
+                <a16:creationId xmlns:a16="http://schemas.microsoft.com/office/drawing/2014/main" id="{7B72DEA7-E12C-46B2-A944-97AEC76964E8}"/>
+              </a:ext>
+            </a:extLst>
+          </p:cNvPr>
+          <p:cNvPicPr>
+            <a:picLocks noGrp="1" noChangeAspect="1"/>
+          </p:cNvPicPr>
+          <p:nvPr>
+            <p:ph idx="1"/>
+          </p:nvPr>
+        </p:nvPicPr>
+        <p:blipFill>
+          <a:blip r:embed="rId2">
+            <a:extLst>
+              <a:ext uri="{28A0092B-C50C-407E-A947-70E740481C1C}">
+                <a14:useLocalDpi xmlns:a14="http://schemas.microsoft.com/office/drawing/2010/main" val="0"/>
+              </a:ext>
+            </a:extLst>
+          </a:blip>
+          <a:stretch>
+            <a:fillRect/>
+          </a:stretch>
+        </p:blipFill>
+        <p:spPr>
+          <a:xfrm>
+            <a:off x="2136860" y="1825625"/>
+            <a:ext cx="7918279" cy="4351338"/>
+          </a:xfrm>
+        </p:spPr>
+      </p:pic>
+    </p:spTree>
+    <p:extLst>
+      <p:ext uri="{BB962C8B-B14F-4D97-AF65-F5344CB8AC3E}">
+        <p14:creationId xmlns:p14="http://schemas.microsoft.com/office/powerpoint/2010/main" val="2686954406"/>
+      </p:ext>
+    </p:extLst>
+  </p:cSld>
+  <p:clrMapOvr>
+    <a:masterClrMapping/>
+  </p:clrMapOvr>
+</p:sld>
+</file>
+
+<file path=ppt/slides/slide14.xml><?xml version="1.0" encoding="utf-8"?>
+<p:sld xmlns:a="http://schemas.openxmlformats.org/drawingml/2006/main" xmlns:r="http://schemas.openxmlformats.org/officeDocument/2006/relationships" xmlns:p="http://schemas.openxmlformats.org/presentationml/2006/main" show="0">
+  <p:cSld>
+    <p:spTree>
+      <p:nvGrpSpPr>
+        <p:cNvPr id="1" name=""/>
+        <p:cNvGrpSpPr/>
+        <p:nvPr/>
+      </p:nvGrpSpPr>
+      <p:grpSpPr>
+        <a:xfrm>
+          <a:off x="0" y="0"/>
+          <a:ext cx="0" cy="0"/>
+          <a:chOff x="0" y="0"/>
+          <a:chExt cx="0" cy="0"/>
+        </a:xfrm>
+      </p:grpSpPr>
+      <p:sp>
+        <p:nvSpPr>
+          <p:cNvPr id="2" name="Title 1">
+            <a:extLst>
+              <a:ext uri="{FF2B5EF4-FFF2-40B4-BE49-F238E27FC236}">
+                <a16:creationId xmlns:a16="http://schemas.microsoft.com/office/drawing/2014/main" id="{398B77E0-C3AC-496A-87EC-E9A1FBFD1637}"/>
+              </a:ext>
+            </a:extLst>
+          </p:cNvPr>
+          <p:cNvSpPr>
+            <a:spLocks noGrp="1"/>
+          </p:cNvSpPr>
+          <p:nvPr>
+            <p:ph type="title"/>
+          </p:nvPr>
+        </p:nvSpPr>
+        <p:spPr/>
+        <p:txBody>
+          <a:bodyPr/>
+          <a:lstStyle/>
+          <a:p>
+            <a:r>
+              <a:rPr lang="en-US"/>
+              <a:t>Zarys całego procesu</a:t>
+            </a:r>
+          </a:p>
+        </p:txBody>
+      </p:sp>
+      <p:sp>
+        <p:nvSpPr>
           <p:cNvPr id="4" name="Content Placeholder 3">
             <a:extLst>
               <a:ext uri="{FF2B5EF4-FFF2-40B4-BE49-F238E27FC236}">
@@ -3436,17 +3848,131 @@
         </p:nvSpPr>
         <p:spPr/>
         <p:txBody>
-          <a:bodyPr anchor="ctr">
-            <a:normAutofit/>
+          <a:bodyPr>
+            <a:normAutofit fontScale="62500" lnSpcReduction="20000"/>
           </a:bodyPr>
           <a:lstStyle/>
+          <a:p>
+            <a:pPr marL="514350" indent="-514350">
+              <a:buFont typeface="+mj-lt"/>
+              <a:buAutoNum type="arabicPeriod"/>
+            </a:pPr>
+            <a:r>
+              <a:rPr lang="pl-PL">
+                <a:solidFill>
+                  <a:srgbClr val="CC3300"/>
+                </a:solidFill>
+              </a:rPr>
+              <a:t>Emitent generuje unikalny DID oraz parę kluczy (prywatny i publiczny)</a:t>
+            </a:r>
+          </a:p>
+          <a:p>
+            <a:pPr marL="514350" indent="-514350">
+              <a:buFont typeface="+mj-lt"/>
+              <a:buAutoNum type="arabicPeriod"/>
+            </a:pPr>
+            <a:r>
+              <a:rPr lang="pl-PL">
+                <a:solidFill>
+                  <a:srgbClr val="CC3300"/>
+                </a:solidFill>
+              </a:rPr>
+              <a:t>Emitent rejestruje na blockchainie swój DID oraz powiązany z nim klucz publiczny</a:t>
+            </a:r>
+          </a:p>
+          <a:p>
+            <a:pPr marL="514350" indent="-514350">
+              <a:buFont typeface="+mj-lt"/>
+              <a:buAutoNum type="arabicPeriod"/>
+            </a:pPr>
+            <a:r>
+              <a:rPr lang="pl-PL">
+                <a:solidFill>
+                  <a:srgbClr val="CC3300"/>
+                </a:solidFill>
+              </a:rPr>
+              <a:t>Emitent przesyła swój DID do PPRA</a:t>
+            </a:r>
+            <a:endParaRPr lang="en-US">
+              <a:solidFill>
+                <a:srgbClr val="CC3300"/>
+              </a:solidFill>
+            </a:endParaRPr>
+          </a:p>
+          <a:p>
+            <a:pPr marL="0" indent="0">
+              <a:buNone/>
+            </a:pPr>
+            <a:endParaRPr lang="pl-PL">
+              <a:solidFill>
+                <a:srgbClr val="CC3300"/>
+              </a:solidFill>
+            </a:endParaRPr>
+          </a:p>
+          <a:p>
+            <a:pPr marL="514350" indent="-514350">
+              <a:buFont typeface="+mj-lt"/>
+              <a:buAutoNum type="arabicPeriod" startAt="4"/>
+            </a:pPr>
+            <a:r>
+              <a:rPr lang="pl-PL">
+                <a:solidFill>
+                  <a:srgbClr val="008000"/>
+                </a:solidFill>
+              </a:rPr>
+              <a:t>Akcjonariusz generuje unikalny DID oraz parę kluczy (prywatny i publiczny)</a:t>
+            </a:r>
+          </a:p>
+          <a:p>
+            <a:pPr marL="514350" indent="-514350">
+              <a:buFont typeface="+mj-lt"/>
+              <a:buAutoNum type="arabicPeriod" startAt="4"/>
+            </a:pPr>
+            <a:r>
+              <a:rPr lang="pl-PL">
+                <a:solidFill>
+                  <a:srgbClr val="008000"/>
+                </a:solidFill>
+              </a:rPr>
+              <a:t>Akcjonariusz przesyła swój DID do emitenta</a:t>
+            </a:r>
+          </a:p>
+          <a:p>
+            <a:pPr marL="514350" indent="-514350">
+              <a:buFont typeface="+mj-lt"/>
+              <a:buAutoNum type="arabicPeriod" startAt="4"/>
+            </a:pPr>
+            <a:r>
+              <a:rPr lang="pl-PL">
+                <a:solidFill>
+                  <a:srgbClr val="008000"/>
+                </a:solidFill>
+              </a:rPr>
+              <a:t>Emitent identyfikuje akcjonariusza i przekazuje mu podpisany cyfrowo VC łączący DID akcjonariusza z jego danymi identyfikacyjnymi</a:t>
+            </a:r>
+            <a:endParaRPr lang="en-US">
+              <a:solidFill>
+                <a:srgbClr val="008000"/>
+              </a:solidFill>
+            </a:endParaRPr>
+          </a:p>
+          <a:p>
+            <a:pPr marL="0" indent="0">
+              <a:buNone/>
+            </a:pPr>
+            <a:endParaRPr lang="pl-PL">
+              <a:solidFill>
+                <a:srgbClr val="008000"/>
+              </a:solidFill>
+            </a:endParaRPr>
+          </a:p>
           <a:p>
             <a:pPr marL="514350" indent="-514350">
               <a:buFont typeface="+mj-lt"/>
               <a:buAutoNum type="arabicPeriod" startAt="7"/>
             </a:pPr>
             <a:r>
-              <a:rPr lang="pl-PL" sz="2400">
+              <a:rPr lang="pl-PL">
                 <a:solidFill>
                   <a:srgbClr val="0033CC"/>
                 </a:solidFill>
@@ -3460,7 +3986,7 @@
               <a:buAutoNum type="arabicPeriod" startAt="7"/>
             </a:pPr>
             <a:r>
-              <a:rPr lang="pl-PL" sz="2400">
+              <a:rPr lang="pl-PL">
                 <a:solidFill>
                   <a:srgbClr val="0033CC"/>
                 </a:solidFill>
@@ -3474,7 +4000,7 @@
               <a:buAutoNum type="arabicPeriod" startAt="7"/>
             </a:pPr>
             <a:r>
-              <a:rPr lang="pl-PL" sz="2400">
+              <a:rPr lang="pl-PL">
                 <a:solidFill>
                   <a:srgbClr val="0033CC"/>
                 </a:solidFill>
@@ -3488,14 +4014,14 @@
               <a:buAutoNum type="arabicPeriod" startAt="7"/>
             </a:pPr>
             <a:r>
-              <a:rPr lang="pl-PL" sz="2400">
+              <a:rPr lang="pl-PL">
                 <a:solidFill>
                   <a:srgbClr val="0033CC"/>
                 </a:solidFill>
               </a:rPr>
               <a:t>PPRA realizuje polecenie akcjonariusza</a:t>
             </a:r>
-            <a:endParaRPr lang="en-US" sz="2400">
+            <a:endParaRPr lang="en-US">
               <a:solidFill>
                 <a:srgbClr val="0033CC"/>
               </a:solidFill>
@@ -3503,12 +4029,505 @@
           </a:p>
         </p:txBody>
       </p:sp>
+    </p:spTree>
+    <p:extLst>
+      <p:ext uri="{BB962C8B-B14F-4D97-AF65-F5344CB8AC3E}">
+        <p14:creationId xmlns:p14="http://schemas.microsoft.com/office/powerpoint/2010/main" val="3035929881"/>
+      </p:ext>
+    </p:extLst>
+  </p:cSld>
+  <p:clrMapOvr>
+    <a:masterClrMapping/>
+  </p:clrMapOvr>
+</p:sld>
+</file>
+
+<file path=ppt/slides/slide15.xml><?xml version="1.0" encoding="utf-8"?>
+<p:sld xmlns:a="http://schemas.openxmlformats.org/drawingml/2006/main" xmlns:r="http://schemas.openxmlformats.org/officeDocument/2006/relationships" xmlns:p="http://schemas.openxmlformats.org/presentationml/2006/main" show="0">
+  <p:cSld>
+    <p:spTree>
+      <p:nvGrpSpPr>
+        <p:cNvPr id="1" name=""/>
+        <p:cNvGrpSpPr/>
+        <p:nvPr/>
+      </p:nvGrpSpPr>
+      <p:grpSpPr>
+        <a:xfrm>
+          <a:off x="0" y="0"/>
+          <a:ext cx="0" cy="0"/>
+          <a:chOff x="0" y="0"/>
+          <a:chExt cx="0" cy="0"/>
+        </a:xfrm>
+      </p:grpSpPr>
+      <p:sp>
+        <p:nvSpPr>
+          <p:cNvPr id="2" name="Title 1">
+            <a:extLst>
+              <a:ext uri="{FF2B5EF4-FFF2-40B4-BE49-F238E27FC236}">
+                <a16:creationId xmlns:a16="http://schemas.microsoft.com/office/drawing/2014/main" id="{398B77E0-C3AC-496A-87EC-E9A1FBFD1637}"/>
+              </a:ext>
+            </a:extLst>
+          </p:cNvPr>
+          <p:cNvSpPr>
+            <a:spLocks noGrp="1"/>
+          </p:cNvSpPr>
+          <p:nvPr>
+            <p:ph type="title"/>
+          </p:nvPr>
+        </p:nvSpPr>
+        <p:spPr>
+          <a:xfrm>
+            <a:off x="838200" y="495760"/>
+            <a:ext cx="10515600" cy="1325563"/>
+          </a:xfrm>
+        </p:spPr>
+        <p:txBody>
+          <a:bodyPr>
+            <a:normAutofit/>
+          </a:bodyPr>
+          <a:lstStyle/>
+          <a:p>
+            <a:r>
+              <a:rPr lang="en-US" sz="3600">
+                <a:solidFill>
+                  <a:srgbClr val="CC3300"/>
+                </a:solidFill>
+              </a:rPr>
+              <a:t>Emitent tworzy swój unikalny </a:t>
+            </a:r>
+            <a:r>
+              <a:rPr lang="pl-PL" sz="3600">
+                <a:solidFill>
+                  <a:srgbClr val="CC3300"/>
+                </a:solidFill>
+              </a:rPr>
+              <a:t>identyfikator i przekaz</a:t>
+            </a:r>
+            <a:r>
+              <a:rPr lang="en-US" sz="3600">
+                <a:solidFill>
+                  <a:srgbClr val="CC3300"/>
+                </a:solidFill>
+              </a:rPr>
+              <a:t>uje</a:t>
+            </a:r>
+            <a:r>
+              <a:rPr lang="pl-PL" sz="3600">
+                <a:solidFill>
+                  <a:srgbClr val="CC3300"/>
+                </a:solidFill>
+              </a:rPr>
+              <a:t> go </a:t>
+            </a:r>
+            <a:r>
+              <a:rPr lang="en-US" sz="3600">
+                <a:solidFill>
+                  <a:srgbClr val="CC3300"/>
+                </a:solidFill>
+              </a:rPr>
+              <a:t>do </a:t>
+            </a:r>
+            <a:r>
+              <a:rPr lang="pl-PL" sz="3600">
+                <a:solidFill>
+                  <a:srgbClr val="CC3300"/>
+                </a:solidFill>
+              </a:rPr>
+              <a:t>PPRA</a:t>
+            </a:r>
+            <a:endParaRPr lang="en-US" sz="3600">
+              <a:solidFill>
+                <a:srgbClr val="CC3300"/>
+              </a:solidFill>
+            </a:endParaRPr>
+          </a:p>
+        </p:txBody>
+      </p:sp>
+      <p:pic>
+        <p:nvPicPr>
+          <p:cNvPr id="7" name="Content Placeholder 6" descr="A screenshot of a computer&#10;&#10;Description automatically generated">
+            <a:extLst>
+              <a:ext uri="{FF2B5EF4-FFF2-40B4-BE49-F238E27FC236}">
+                <a16:creationId xmlns:a16="http://schemas.microsoft.com/office/drawing/2014/main" id="{F3D1BE4F-6746-43D0-B5F1-A3DDA028F7ED}"/>
+              </a:ext>
+            </a:extLst>
+          </p:cNvPr>
+          <p:cNvPicPr>
+            <a:picLocks noGrp="1" noChangeAspect="1"/>
+          </p:cNvPicPr>
+          <p:nvPr>
+            <p:ph idx="1"/>
+          </p:nvPr>
+        </p:nvPicPr>
+        <p:blipFill>
+          <a:blip r:embed="rId2">
+            <a:extLst>
+              <a:ext uri="{28A0092B-C50C-407E-A947-70E740481C1C}">
+                <a14:useLocalDpi xmlns:a14="http://schemas.microsoft.com/office/drawing/2010/main" val="0"/>
+              </a:ext>
+            </a:extLst>
+          </a:blip>
+          <a:stretch>
+            <a:fillRect/>
+          </a:stretch>
+        </p:blipFill>
+        <p:spPr>
+          <a:xfrm>
+            <a:off x="2136860" y="1991096"/>
+            <a:ext cx="7918279" cy="4351338"/>
+          </a:xfrm>
+        </p:spPr>
+      </p:pic>
+      <p:sp>
+        <p:nvSpPr>
+          <p:cNvPr id="8" name="TextBox 7">
+            <a:extLst>
+              <a:ext uri="{FF2B5EF4-FFF2-40B4-BE49-F238E27FC236}">
+                <a16:creationId xmlns:a16="http://schemas.microsoft.com/office/drawing/2014/main" id="{8EEEDBB6-7526-4BFF-9FAE-6E541F734DD5}"/>
+              </a:ext>
+            </a:extLst>
+          </p:cNvPr>
+          <p:cNvSpPr txBox="1"/>
+          <p:nvPr/>
+        </p:nvSpPr>
+        <p:spPr>
+          <a:xfrm>
+            <a:off x="864327" y="186010"/>
+            <a:ext cx="2410916" cy="369332"/>
+          </a:xfrm>
+          <a:prstGeom prst="rect">
+            <a:avLst/>
+          </a:prstGeom>
+          <a:noFill/>
+        </p:spPr>
+        <p:txBody>
+          <a:bodyPr wrap="none" rtlCol="0">
+            <a:spAutoFit/>
+          </a:bodyPr>
+          <a:lstStyle/>
+          <a:p>
+            <a:r>
+              <a:rPr lang="pl-PL" u="sng">
+                <a:solidFill>
+                  <a:schemeClr val="tx1">
+                    <a:lumMod val="65000"/>
+                    <a:lumOff val="35000"/>
+                  </a:schemeClr>
+                </a:solidFill>
+              </a:rPr>
+              <a:t>Proces "emitent-PPRA"</a:t>
+            </a:r>
+            <a:endParaRPr lang="en-US" u="sng">
+              <a:solidFill>
+                <a:schemeClr val="tx1">
+                  <a:lumMod val="65000"/>
+                  <a:lumOff val="35000"/>
+                </a:schemeClr>
+              </a:solidFill>
+            </a:endParaRPr>
+          </a:p>
+        </p:txBody>
+      </p:sp>
+    </p:spTree>
+    <p:extLst>
+      <p:ext uri="{BB962C8B-B14F-4D97-AF65-F5344CB8AC3E}">
+        <p14:creationId xmlns:p14="http://schemas.microsoft.com/office/powerpoint/2010/main" val="4191731600"/>
+      </p:ext>
+    </p:extLst>
+  </p:cSld>
+  <p:clrMapOvr>
+    <a:masterClrMapping/>
+  </p:clrMapOvr>
+</p:sld>
+</file>
+
+<file path=ppt/slides/slide16.xml><?xml version="1.0" encoding="utf-8"?>
+<p:sld xmlns:a="http://schemas.openxmlformats.org/drawingml/2006/main" xmlns:r="http://schemas.openxmlformats.org/officeDocument/2006/relationships" xmlns:p="http://schemas.openxmlformats.org/presentationml/2006/main" show="0">
+  <p:cSld>
+    <p:spTree>
+      <p:nvGrpSpPr>
+        <p:cNvPr id="1" name=""/>
+        <p:cNvGrpSpPr/>
+        <p:nvPr/>
+      </p:nvGrpSpPr>
+      <p:grpSpPr>
+        <a:xfrm>
+          <a:off x="0" y="0"/>
+          <a:ext cx="0" cy="0"/>
+          <a:chOff x="0" y="0"/>
+          <a:chExt cx="0" cy="0"/>
+        </a:xfrm>
+      </p:grpSpPr>
+      <p:sp>
+        <p:nvSpPr>
+          <p:cNvPr id="4" name="Content Placeholder 3">
+            <a:extLst>
+              <a:ext uri="{FF2B5EF4-FFF2-40B4-BE49-F238E27FC236}">
+                <a16:creationId xmlns:a16="http://schemas.microsoft.com/office/drawing/2014/main" id="{A2B348B6-D367-4167-809A-063C293949A1}"/>
+              </a:ext>
+            </a:extLst>
+          </p:cNvPr>
+          <p:cNvSpPr>
+            <a:spLocks noGrp="1"/>
+          </p:cNvSpPr>
+          <p:nvPr>
+            <p:ph idx="1"/>
+          </p:nvPr>
+        </p:nvSpPr>
+        <p:spPr/>
+        <p:txBody>
+          <a:bodyPr anchor="ctr">
+            <a:normAutofit/>
+          </a:bodyPr>
+          <a:lstStyle/>
+          <a:p>
+            <a:pPr marL="514350" indent="-514350">
+              <a:buFont typeface="+mj-lt"/>
+              <a:buAutoNum type="arabicPeriod"/>
+            </a:pPr>
+            <a:r>
+              <a:rPr lang="pl-PL" sz="2400">
+                <a:solidFill>
+                  <a:srgbClr val="CC3300"/>
+                </a:solidFill>
+              </a:rPr>
+              <a:t>Emitent generuje unikalny DID oraz parę kluczy (prywatny i publiczny)</a:t>
+            </a:r>
+          </a:p>
+          <a:p>
+            <a:pPr marL="514350" indent="-514350">
+              <a:buFont typeface="+mj-lt"/>
+              <a:buAutoNum type="arabicPeriod"/>
+            </a:pPr>
+            <a:r>
+              <a:rPr lang="pl-PL" sz="2400">
+                <a:solidFill>
+                  <a:srgbClr val="CC3300"/>
+                </a:solidFill>
+              </a:rPr>
+              <a:t>Emitent rejestruje na blockchainie swój DID oraz powiązany z nim klucz publiczny</a:t>
+            </a:r>
+          </a:p>
+          <a:p>
+            <a:pPr marL="514350" indent="-514350">
+              <a:buFont typeface="+mj-lt"/>
+              <a:buAutoNum type="arabicPeriod"/>
+            </a:pPr>
+            <a:r>
+              <a:rPr lang="pl-PL" sz="2400">
+                <a:solidFill>
+                  <a:srgbClr val="CC3300"/>
+                </a:solidFill>
+              </a:rPr>
+              <a:t>Emitent przesyła swój DID do PPRA</a:t>
+            </a:r>
+          </a:p>
+        </p:txBody>
+      </p:sp>
       <p:sp>
         <p:nvSpPr>
           <p:cNvPr id="6" name="Title 1">
             <a:extLst>
               <a:ext uri="{FF2B5EF4-FFF2-40B4-BE49-F238E27FC236}">
-                <a16:creationId xmlns:a16="http://schemas.microsoft.com/office/drawing/2014/main" id="{CABFC867-4676-43F8-B9A4-E3447B978038}"/>
+                <a16:creationId xmlns:a16="http://schemas.microsoft.com/office/drawing/2014/main" id="{70330C0A-E38E-4DBC-8947-D1E3C19C613D}"/>
+              </a:ext>
+            </a:extLst>
+          </p:cNvPr>
+          <p:cNvSpPr>
+            <a:spLocks noGrp="1"/>
+          </p:cNvSpPr>
+          <p:nvPr>
+            <p:ph type="title"/>
+          </p:nvPr>
+        </p:nvSpPr>
+        <p:spPr>
+          <a:xfrm>
+            <a:off x="838200" y="495760"/>
+            <a:ext cx="10515600" cy="1325563"/>
+          </a:xfrm>
+        </p:spPr>
+        <p:txBody>
+          <a:bodyPr>
+            <a:normAutofit/>
+          </a:bodyPr>
+          <a:lstStyle/>
+          <a:p>
+            <a:r>
+              <a:rPr lang="en-US" sz="3600">
+                <a:solidFill>
+                  <a:srgbClr val="CC3300"/>
+                </a:solidFill>
+              </a:rPr>
+              <a:t>Emitent tworzy swój unikalny </a:t>
+            </a:r>
+            <a:r>
+              <a:rPr lang="pl-PL" sz="3600">
+                <a:solidFill>
+                  <a:srgbClr val="CC3300"/>
+                </a:solidFill>
+              </a:rPr>
+              <a:t>identyfikator i przekaz</a:t>
+            </a:r>
+            <a:r>
+              <a:rPr lang="en-US" sz="3600">
+                <a:solidFill>
+                  <a:srgbClr val="CC3300"/>
+                </a:solidFill>
+              </a:rPr>
+              <a:t>uje</a:t>
+            </a:r>
+            <a:r>
+              <a:rPr lang="pl-PL" sz="3600">
+                <a:solidFill>
+                  <a:srgbClr val="CC3300"/>
+                </a:solidFill>
+              </a:rPr>
+              <a:t> go </a:t>
+            </a:r>
+            <a:r>
+              <a:rPr lang="en-US" sz="3600">
+                <a:solidFill>
+                  <a:srgbClr val="CC3300"/>
+                </a:solidFill>
+              </a:rPr>
+              <a:t>do </a:t>
+            </a:r>
+            <a:r>
+              <a:rPr lang="pl-PL" sz="3600">
+                <a:solidFill>
+                  <a:srgbClr val="CC3300"/>
+                </a:solidFill>
+              </a:rPr>
+              <a:t>PPRA</a:t>
+            </a:r>
+            <a:endParaRPr lang="en-US" sz="3600">
+              <a:solidFill>
+                <a:srgbClr val="CC3300"/>
+              </a:solidFill>
+            </a:endParaRPr>
+          </a:p>
+        </p:txBody>
+      </p:sp>
+      <p:sp>
+        <p:nvSpPr>
+          <p:cNvPr id="7" name="TextBox 6">
+            <a:extLst>
+              <a:ext uri="{FF2B5EF4-FFF2-40B4-BE49-F238E27FC236}">
+                <a16:creationId xmlns:a16="http://schemas.microsoft.com/office/drawing/2014/main" id="{679C4AB1-17FB-4B8B-845E-404FA2998E21}"/>
+              </a:ext>
+            </a:extLst>
+          </p:cNvPr>
+          <p:cNvSpPr txBox="1"/>
+          <p:nvPr/>
+        </p:nvSpPr>
+        <p:spPr>
+          <a:xfrm>
+            <a:off x="864327" y="186010"/>
+            <a:ext cx="2410916" cy="369332"/>
+          </a:xfrm>
+          <a:prstGeom prst="rect">
+            <a:avLst/>
+          </a:prstGeom>
+          <a:noFill/>
+        </p:spPr>
+        <p:txBody>
+          <a:bodyPr wrap="none" rtlCol="0">
+            <a:spAutoFit/>
+          </a:bodyPr>
+          <a:lstStyle/>
+          <a:p>
+            <a:r>
+              <a:rPr lang="pl-PL" u="sng">
+                <a:solidFill>
+                  <a:schemeClr val="tx1">
+                    <a:lumMod val="65000"/>
+                    <a:lumOff val="35000"/>
+                  </a:schemeClr>
+                </a:solidFill>
+              </a:rPr>
+              <a:t>Proces "emitent-PPRA"</a:t>
+            </a:r>
+            <a:endParaRPr lang="en-US" u="sng">
+              <a:solidFill>
+                <a:schemeClr val="tx1">
+                  <a:lumMod val="65000"/>
+                  <a:lumOff val="35000"/>
+                </a:schemeClr>
+              </a:solidFill>
+            </a:endParaRPr>
+          </a:p>
+        </p:txBody>
+      </p:sp>
+    </p:spTree>
+    <p:extLst>
+      <p:ext uri="{BB962C8B-B14F-4D97-AF65-F5344CB8AC3E}">
+        <p14:creationId xmlns:p14="http://schemas.microsoft.com/office/powerpoint/2010/main" val="1998612065"/>
+      </p:ext>
+    </p:extLst>
+  </p:cSld>
+  <p:clrMapOvr>
+    <a:masterClrMapping/>
+  </p:clrMapOvr>
+</p:sld>
+</file>
+
+<file path=ppt/slides/slide17.xml><?xml version="1.0" encoding="utf-8"?>
+<p:sld xmlns:a="http://schemas.openxmlformats.org/drawingml/2006/main" xmlns:r="http://schemas.openxmlformats.org/officeDocument/2006/relationships" xmlns:p="http://schemas.openxmlformats.org/presentationml/2006/main" show="0">
+  <p:cSld>
+    <p:spTree>
+      <p:nvGrpSpPr>
+        <p:cNvPr id="1" name=""/>
+        <p:cNvGrpSpPr/>
+        <p:nvPr/>
+      </p:nvGrpSpPr>
+      <p:grpSpPr>
+        <a:xfrm>
+          <a:off x="0" y="0"/>
+          <a:ext cx="0" cy="0"/>
+          <a:chOff x="0" y="0"/>
+          <a:chExt cx="0" cy="0"/>
+        </a:xfrm>
+      </p:grpSpPr>
+      <p:pic>
+        <p:nvPicPr>
+          <p:cNvPr id="7" name="Content Placeholder 6">
+            <a:extLst>
+              <a:ext uri="{FF2B5EF4-FFF2-40B4-BE49-F238E27FC236}">
+                <a16:creationId xmlns:a16="http://schemas.microsoft.com/office/drawing/2014/main" id="{F3D1BE4F-6746-43D0-B5F1-A3DDA028F7ED}"/>
+              </a:ext>
+            </a:extLst>
+          </p:cNvPr>
+          <p:cNvPicPr>
+            <a:picLocks noGrp="1" noChangeAspect="1"/>
+          </p:cNvPicPr>
+          <p:nvPr>
+            <p:ph idx="1"/>
+          </p:nvPr>
+        </p:nvPicPr>
+        <p:blipFill>
+          <a:blip r:embed="rId2">
+            <a:extLst>
+              <a:ext uri="{28A0092B-C50C-407E-A947-70E740481C1C}">
+                <a14:useLocalDpi xmlns:a14="http://schemas.microsoft.com/office/drawing/2010/main" val="0"/>
+              </a:ext>
+            </a:extLst>
+          </a:blip>
+          <a:srcRect/>
+          <a:stretch/>
+        </p:blipFill>
+        <p:spPr>
+          <a:xfrm>
+            <a:off x="2136860" y="1991090"/>
+            <a:ext cx="7918279" cy="4351337"/>
+          </a:xfrm>
+        </p:spPr>
+      </p:pic>
+      <p:sp>
+        <p:nvSpPr>
+          <p:cNvPr id="4" name="Title 1">
+            <a:extLst>
+              <a:ext uri="{FF2B5EF4-FFF2-40B4-BE49-F238E27FC236}">
+                <a16:creationId xmlns:a16="http://schemas.microsoft.com/office/drawing/2014/main" id="{0C01BE8B-2239-42DA-8F31-4834FC10FF95}"/>
               </a:ext>
             </a:extLst>
           </p:cNvPr>
@@ -3553,39 +4572,55 @@
             <a:r>
               <a:rPr lang="en-US" sz="3600">
                 <a:solidFill>
-                  <a:srgbClr val="0033CC"/>
-                </a:solidFill>
-              </a:rPr>
-              <a:t>PPRA dokonuje </a:t>
+                  <a:srgbClr val="008000"/>
+                </a:solidFill>
+              </a:rPr>
+              <a:t>E</a:t>
             </a:r>
             <a:r>
               <a:rPr lang="pl-PL" sz="3600">
                 <a:solidFill>
-                  <a:srgbClr val="0033CC"/>
-                </a:solidFill>
-              </a:rPr>
-              <a:t>identyfikacj</a:t>
+                  <a:srgbClr val="008000"/>
+                </a:solidFill>
+              </a:rPr>
+              <a:t>mitent </a:t>
             </a:r>
             <a:r>
               <a:rPr lang="en-US" sz="3600">
                 <a:solidFill>
-                  <a:srgbClr val="0033CC"/>
-                </a:solidFill>
-              </a:rPr>
-              <a:t>i</a:t>
+                  <a:srgbClr val="008000"/>
+                </a:solidFill>
+              </a:rPr>
+              <a:t>tworzy </a:t>
             </a:r>
             <a:r>
               <a:rPr lang="pl-PL" sz="3600">
                 <a:solidFill>
-                  <a:srgbClr val="0033CC"/>
-                </a:solidFill>
-              </a:rPr>
-              <a:t> akcjonariusza i realiz</a:t>
+                  <a:srgbClr val="008000"/>
+                </a:solidFill>
+              </a:rPr>
+              <a:t>certyfikat potwierdzając</a:t>
             </a:r>
             <a:r>
               <a:rPr lang="en-US" sz="3600">
                 <a:solidFill>
-                  <a:srgbClr val="0033CC"/>
+                  <a:srgbClr val="008000"/>
+                </a:solidFill>
+              </a:rPr>
+              <a:t>y</a:t>
+            </a:r>
+            <a:r>
+              <a:rPr lang="pl-PL" sz="3600">
+                <a:solidFill>
+                  <a:srgbClr val="008000"/>
+                </a:solidFill>
+              </a:rPr>
+              <a:t> tożsamość akcjonariusza i przekaz</a:t>
+            </a:r>
+            <a:r>
+              <a:rPr lang="en-US" sz="3600">
+                <a:solidFill>
+                  <a:srgbClr val="008000"/>
                 </a:solidFill>
               </a:rPr>
               <a:t>uje</a:t>
@@ -3593,18 +4628,10 @@
             <a:r>
               <a:rPr lang="pl-PL" sz="3600">
                 <a:solidFill>
-                  <a:srgbClr val="0033CC"/>
-                </a:solidFill>
-              </a:rPr>
-              <a:t> jego poleceni</a:t>
-            </a:r>
-            <a:r>
-              <a:rPr lang="en-US" sz="3600">
-                <a:solidFill>
-                  <a:srgbClr val="0033CC"/>
-                </a:solidFill>
-              </a:rPr>
-              <a:t>e</a:t>
+                  <a:srgbClr val="008000"/>
+                </a:solidFill>
+              </a:rPr>
+              <a:t> go akcjonariuszowi</a:t>
             </a:r>
             <a:endParaRPr lang="en-US" sz="3600">
               <a:solidFill>
@@ -3616,10 +4643,500 @@
       </p:sp>
       <p:sp>
         <p:nvSpPr>
+          <p:cNvPr id="5" name="TextBox 4">
+            <a:extLst>
+              <a:ext uri="{FF2B5EF4-FFF2-40B4-BE49-F238E27FC236}">
+                <a16:creationId xmlns:a16="http://schemas.microsoft.com/office/drawing/2014/main" id="{DB4FDBC0-3E6E-42C4-B424-2B037505206C}"/>
+              </a:ext>
+            </a:extLst>
+          </p:cNvPr>
+          <p:cNvSpPr txBox="1"/>
+          <p:nvPr/>
+        </p:nvSpPr>
+        <p:spPr>
+          <a:xfrm>
+            <a:off x="864327" y="186010"/>
+            <a:ext cx="3003002" cy="369332"/>
+          </a:xfrm>
+          <a:prstGeom prst="rect">
+            <a:avLst/>
+          </a:prstGeom>
+          <a:noFill/>
+        </p:spPr>
+        <p:txBody>
+          <a:bodyPr wrap="none" rtlCol="0">
+            <a:spAutoFit/>
+          </a:bodyPr>
+          <a:lstStyle/>
+          <a:p>
+            <a:r>
+              <a:rPr lang="pl-PL" u="sng">
+                <a:solidFill>
+                  <a:schemeClr val="tx1">
+                    <a:lumMod val="65000"/>
+                    <a:lumOff val="35000"/>
+                  </a:schemeClr>
+                </a:solidFill>
+              </a:rPr>
+              <a:t>Proces "akcjonariusz-emitent"</a:t>
+            </a:r>
+            <a:endParaRPr lang="en-US" u="sng">
+              <a:solidFill>
+                <a:schemeClr val="tx1">
+                  <a:lumMod val="65000"/>
+                  <a:lumOff val="35000"/>
+                </a:schemeClr>
+              </a:solidFill>
+            </a:endParaRPr>
+          </a:p>
+        </p:txBody>
+      </p:sp>
+    </p:spTree>
+    <p:extLst>
+      <p:ext uri="{BB962C8B-B14F-4D97-AF65-F5344CB8AC3E}">
+        <p14:creationId xmlns:p14="http://schemas.microsoft.com/office/powerpoint/2010/main" val="880087878"/>
+      </p:ext>
+    </p:extLst>
+  </p:cSld>
+  <p:clrMapOvr>
+    <a:masterClrMapping/>
+  </p:clrMapOvr>
+</p:sld>
+</file>
+
+<file path=ppt/slides/slide18.xml><?xml version="1.0" encoding="utf-8"?>
+<p:sld xmlns:a="http://schemas.openxmlformats.org/drawingml/2006/main" xmlns:r="http://schemas.openxmlformats.org/officeDocument/2006/relationships" xmlns:p="http://schemas.openxmlformats.org/presentationml/2006/main" show="0">
+  <p:cSld>
+    <p:spTree>
+      <p:nvGrpSpPr>
+        <p:cNvPr id="1" name=""/>
+        <p:cNvGrpSpPr/>
+        <p:nvPr/>
+      </p:nvGrpSpPr>
+      <p:grpSpPr>
+        <a:xfrm>
+          <a:off x="0" y="0"/>
+          <a:ext cx="0" cy="0"/>
+          <a:chOff x="0" y="0"/>
+          <a:chExt cx="0" cy="0"/>
+        </a:xfrm>
+      </p:grpSpPr>
+      <p:sp>
+        <p:nvSpPr>
+          <p:cNvPr id="4" name="Content Placeholder 3">
+            <a:extLst>
+              <a:ext uri="{FF2B5EF4-FFF2-40B4-BE49-F238E27FC236}">
+                <a16:creationId xmlns:a16="http://schemas.microsoft.com/office/drawing/2014/main" id="{A2B348B6-D367-4167-809A-063C293949A1}"/>
+              </a:ext>
+            </a:extLst>
+          </p:cNvPr>
+          <p:cNvSpPr>
+            <a:spLocks noGrp="1"/>
+          </p:cNvSpPr>
+          <p:nvPr>
+            <p:ph idx="1"/>
+          </p:nvPr>
+        </p:nvSpPr>
+        <p:spPr/>
+        <p:txBody>
+          <a:bodyPr anchor="ctr">
+            <a:normAutofit/>
+          </a:bodyPr>
+          <a:lstStyle/>
+          <a:p>
+            <a:pPr marL="514350" indent="-514350">
+              <a:buFont typeface="+mj-lt"/>
+              <a:buAutoNum type="arabicPeriod" startAt="4"/>
+            </a:pPr>
+            <a:r>
+              <a:rPr lang="pl-PL" sz="2400">
+                <a:solidFill>
+                  <a:srgbClr val="008000"/>
+                </a:solidFill>
+              </a:rPr>
+              <a:t>Akcjonariusz generuje unikalny DID oraz parę kluczy (prywatny i publiczny)</a:t>
+            </a:r>
+          </a:p>
+          <a:p>
+            <a:pPr marL="514350" indent="-514350">
+              <a:buFont typeface="+mj-lt"/>
+              <a:buAutoNum type="arabicPeriod" startAt="4"/>
+            </a:pPr>
+            <a:r>
+              <a:rPr lang="pl-PL" sz="2400">
+                <a:solidFill>
+                  <a:srgbClr val="008000"/>
+                </a:solidFill>
+              </a:rPr>
+              <a:t>Akcjonariusz przesyła swój DID do emitenta</a:t>
+            </a:r>
+          </a:p>
+          <a:p>
+            <a:pPr marL="514350" indent="-514350">
+              <a:buFont typeface="+mj-lt"/>
+              <a:buAutoNum type="arabicPeriod" startAt="4"/>
+            </a:pPr>
+            <a:r>
+              <a:rPr lang="pl-PL" sz="2400">
+                <a:solidFill>
+                  <a:srgbClr val="008000"/>
+                </a:solidFill>
+              </a:rPr>
+              <a:t>Emitent identyfikuje akcjonariusza i przekazuje mu podpisany cyfrowo VC łączący DID akcjonariusza z jego danymi identyfikacyjnymi</a:t>
+            </a:r>
+          </a:p>
+        </p:txBody>
+      </p:sp>
+      <p:sp>
+        <p:nvSpPr>
+          <p:cNvPr id="6" name="Title 1">
+            <a:extLst>
+              <a:ext uri="{FF2B5EF4-FFF2-40B4-BE49-F238E27FC236}">
+                <a16:creationId xmlns:a16="http://schemas.microsoft.com/office/drawing/2014/main" id="{6A0CE6ED-01BD-46A3-A649-AEC887B00B54}"/>
+              </a:ext>
+            </a:extLst>
+          </p:cNvPr>
+          <p:cNvSpPr txBox="1">
+            <a:spLocks/>
+          </p:cNvSpPr>
+          <p:nvPr/>
+        </p:nvSpPr>
+        <p:spPr>
+          <a:xfrm>
+            <a:off x="838200" y="495760"/>
+            <a:ext cx="10515600" cy="1325563"/>
+          </a:xfrm>
+          <a:prstGeom prst="rect">
+            <a:avLst/>
+          </a:prstGeom>
+        </p:spPr>
+        <p:txBody>
+          <a:bodyPr vert="horz" lIns="91440" tIns="45720" rIns="91440" bIns="45720" rtlCol="0" anchor="ctr">
+            <a:normAutofit/>
+          </a:bodyPr>
+          <a:lstStyle>
+            <a:lvl1pPr algn="l" defTabSz="914400" rtl="0" eaLnBrk="1" latinLnBrk="0" hangingPunct="1">
+              <a:lnSpc>
+                <a:spcPct val="90000"/>
+              </a:lnSpc>
+              <a:spcBef>
+                <a:spcPct val="0"/>
+              </a:spcBef>
+              <a:buNone/>
+              <a:defRPr sz="4400" kern="1200">
+                <a:solidFill>
+                  <a:schemeClr val="tx1"/>
+                </a:solidFill>
+                <a:latin typeface="+mj-lt"/>
+                <a:ea typeface="+mj-ea"/>
+                <a:cs typeface="+mj-cs"/>
+              </a:defRPr>
+            </a:lvl1pPr>
+          </a:lstStyle>
+          <a:p>
+            <a:r>
+              <a:rPr lang="en-US" sz="3600">
+                <a:solidFill>
+                  <a:srgbClr val="008000"/>
+                </a:solidFill>
+              </a:rPr>
+              <a:t>E</a:t>
+            </a:r>
+            <a:r>
+              <a:rPr lang="pl-PL" sz="3600">
+                <a:solidFill>
+                  <a:srgbClr val="008000"/>
+                </a:solidFill>
+              </a:rPr>
+              <a:t>mitent </a:t>
+            </a:r>
+            <a:r>
+              <a:rPr lang="en-US" sz="3600">
+                <a:solidFill>
+                  <a:srgbClr val="008000"/>
+                </a:solidFill>
+              </a:rPr>
+              <a:t>tworzy </a:t>
+            </a:r>
+            <a:r>
+              <a:rPr lang="pl-PL" sz="3600">
+                <a:solidFill>
+                  <a:srgbClr val="008000"/>
+                </a:solidFill>
+              </a:rPr>
+              <a:t>certyfikat potwierdzając</a:t>
+            </a:r>
+            <a:r>
+              <a:rPr lang="en-US" sz="3600">
+                <a:solidFill>
+                  <a:srgbClr val="008000"/>
+                </a:solidFill>
+              </a:rPr>
+              <a:t>y</a:t>
+            </a:r>
+            <a:r>
+              <a:rPr lang="pl-PL" sz="3600">
+                <a:solidFill>
+                  <a:srgbClr val="008000"/>
+                </a:solidFill>
+              </a:rPr>
+              <a:t> tożsamość akcjonariusza i przekaz</a:t>
+            </a:r>
+            <a:r>
+              <a:rPr lang="en-US" sz="3600">
+                <a:solidFill>
+                  <a:srgbClr val="008000"/>
+                </a:solidFill>
+              </a:rPr>
+              <a:t>uje</a:t>
+            </a:r>
+            <a:r>
+              <a:rPr lang="pl-PL" sz="3600">
+                <a:solidFill>
+                  <a:srgbClr val="008000"/>
+                </a:solidFill>
+              </a:rPr>
+              <a:t> go akcjonariuszowi</a:t>
+            </a:r>
+            <a:endParaRPr lang="en-US" sz="3600">
+              <a:solidFill>
+                <a:srgbClr val="CC3300"/>
+              </a:solidFill>
+            </a:endParaRPr>
+          </a:p>
+        </p:txBody>
+      </p:sp>
+      <p:sp>
+        <p:nvSpPr>
           <p:cNvPr id="7" name="TextBox 6">
             <a:extLst>
               <a:ext uri="{FF2B5EF4-FFF2-40B4-BE49-F238E27FC236}">
-                <a16:creationId xmlns:a16="http://schemas.microsoft.com/office/drawing/2014/main" id="{29DF8083-2FB1-43C8-906E-5E8B82153757}"/>
+                <a16:creationId xmlns:a16="http://schemas.microsoft.com/office/drawing/2014/main" id="{D7579A7C-EF8B-43CD-B3CB-1DD3D01BD996}"/>
+              </a:ext>
+            </a:extLst>
+          </p:cNvPr>
+          <p:cNvSpPr txBox="1"/>
+          <p:nvPr/>
+        </p:nvSpPr>
+        <p:spPr>
+          <a:xfrm>
+            <a:off x="864327" y="186010"/>
+            <a:ext cx="3003002" cy="369332"/>
+          </a:xfrm>
+          <a:prstGeom prst="rect">
+            <a:avLst/>
+          </a:prstGeom>
+          <a:noFill/>
+        </p:spPr>
+        <p:txBody>
+          <a:bodyPr wrap="none" rtlCol="0">
+            <a:spAutoFit/>
+          </a:bodyPr>
+          <a:lstStyle/>
+          <a:p>
+            <a:r>
+              <a:rPr lang="pl-PL" u="sng">
+                <a:solidFill>
+                  <a:schemeClr val="tx1">
+                    <a:lumMod val="65000"/>
+                    <a:lumOff val="35000"/>
+                  </a:schemeClr>
+                </a:solidFill>
+              </a:rPr>
+              <a:t>Proces "akcjonariusz-emitent"</a:t>
+            </a:r>
+            <a:endParaRPr lang="en-US" u="sng">
+              <a:solidFill>
+                <a:schemeClr val="tx1">
+                  <a:lumMod val="65000"/>
+                  <a:lumOff val="35000"/>
+                </a:schemeClr>
+              </a:solidFill>
+            </a:endParaRPr>
+          </a:p>
+        </p:txBody>
+      </p:sp>
+    </p:spTree>
+    <p:extLst>
+      <p:ext uri="{BB962C8B-B14F-4D97-AF65-F5344CB8AC3E}">
+        <p14:creationId xmlns:p14="http://schemas.microsoft.com/office/powerpoint/2010/main" val="2216664587"/>
+      </p:ext>
+    </p:extLst>
+  </p:cSld>
+  <p:clrMapOvr>
+    <a:masterClrMapping/>
+  </p:clrMapOvr>
+</p:sld>
+</file>
+
+<file path=ppt/slides/slide19.xml><?xml version="1.0" encoding="utf-8"?>
+<p:sld xmlns:a="http://schemas.openxmlformats.org/drawingml/2006/main" xmlns:r="http://schemas.openxmlformats.org/officeDocument/2006/relationships" xmlns:p="http://schemas.openxmlformats.org/presentationml/2006/main" show="0">
+  <p:cSld>
+    <p:spTree>
+      <p:nvGrpSpPr>
+        <p:cNvPr id="1" name=""/>
+        <p:cNvGrpSpPr/>
+        <p:nvPr/>
+      </p:nvGrpSpPr>
+      <p:grpSpPr>
+        <a:xfrm>
+          <a:off x="0" y="0"/>
+          <a:ext cx="0" cy="0"/>
+          <a:chOff x="0" y="0"/>
+          <a:chExt cx="0" cy="0"/>
+        </a:xfrm>
+      </p:grpSpPr>
+      <p:pic>
+        <p:nvPicPr>
+          <p:cNvPr id="7" name="Content Placeholder 6">
+            <a:extLst>
+              <a:ext uri="{FF2B5EF4-FFF2-40B4-BE49-F238E27FC236}">
+                <a16:creationId xmlns:a16="http://schemas.microsoft.com/office/drawing/2014/main" id="{F3D1BE4F-6746-43D0-B5F1-A3DDA028F7ED}"/>
+              </a:ext>
+            </a:extLst>
+          </p:cNvPr>
+          <p:cNvPicPr>
+            <a:picLocks noGrp="1" noChangeAspect="1"/>
+          </p:cNvPicPr>
+          <p:nvPr>
+            <p:ph idx="1"/>
+          </p:nvPr>
+        </p:nvPicPr>
+        <p:blipFill>
+          <a:blip r:embed="rId2">
+            <a:extLst>
+              <a:ext uri="{28A0092B-C50C-407E-A947-70E740481C1C}">
+                <a14:useLocalDpi xmlns:a14="http://schemas.microsoft.com/office/drawing/2010/main" val="0"/>
+              </a:ext>
+            </a:extLst>
+          </a:blip>
+          <a:srcRect/>
+          <a:stretch/>
+        </p:blipFill>
+        <p:spPr>
+          <a:xfrm>
+            <a:off x="2136860" y="1991093"/>
+            <a:ext cx="7918279" cy="4351337"/>
+          </a:xfrm>
+        </p:spPr>
+      </p:pic>
+      <p:sp>
+        <p:nvSpPr>
+          <p:cNvPr id="4" name="Title 1">
+            <a:extLst>
+              <a:ext uri="{FF2B5EF4-FFF2-40B4-BE49-F238E27FC236}">
+                <a16:creationId xmlns:a16="http://schemas.microsoft.com/office/drawing/2014/main" id="{BE488E81-12D8-43C5-BBB7-1BAE13A48745}"/>
+              </a:ext>
+            </a:extLst>
+          </p:cNvPr>
+          <p:cNvSpPr txBox="1">
+            <a:spLocks/>
+          </p:cNvSpPr>
+          <p:nvPr/>
+        </p:nvSpPr>
+        <p:spPr>
+          <a:xfrm>
+            <a:off x="838200" y="495760"/>
+            <a:ext cx="10515600" cy="1325563"/>
+          </a:xfrm>
+          <a:prstGeom prst="rect">
+            <a:avLst/>
+          </a:prstGeom>
+        </p:spPr>
+        <p:txBody>
+          <a:bodyPr vert="horz" lIns="91440" tIns="45720" rIns="91440" bIns="45720" rtlCol="0" anchor="ctr">
+            <a:normAutofit/>
+          </a:bodyPr>
+          <a:lstStyle>
+            <a:lvl1pPr algn="l" defTabSz="914400" rtl="0" eaLnBrk="1" latinLnBrk="0" hangingPunct="1">
+              <a:lnSpc>
+                <a:spcPct val="90000"/>
+              </a:lnSpc>
+              <a:spcBef>
+                <a:spcPct val="0"/>
+              </a:spcBef>
+              <a:buNone/>
+              <a:defRPr sz="4400" kern="1200">
+                <a:solidFill>
+                  <a:schemeClr val="tx1"/>
+                </a:solidFill>
+                <a:latin typeface="+mj-lt"/>
+                <a:ea typeface="+mj-ea"/>
+                <a:cs typeface="+mj-cs"/>
+              </a:defRPr>
+            </a:lvl1pPr>
+          </a:lstStyle>
+          <a:p>
+            <a:r>
+              <a:rPr lang="en-US" sz="3600">
+                <a:solidFill>
+                  <a:srgbClr val="0033CC"/>
+                </a:solidFill>
+              </a:rPr>
+              <a:t>PPRA dokonuje </a:t>
+            </a:r>
+            <a:r>
+              <a:rPr lang="pl-PL" sz="3600">
+                <a:solidFill>
+                  <a:srgbClr val="0033CC"/>
+                </a:solidFill>
+              </a:rPr>
+              <a:t>identyfikacj</a:t>
+            </a:r>
+            <a:r>
+              <a:rPr lang="en-US" sz="3600">
+                <a:solidFill>
+                  <a:srgbClr val="0033CC"/>
+                </a:solidFill>
+              </a:rPr>
+              <a:t>i</a:t>
+            </a:r>
+            <a:r>
+              <a:rPr lang="pl-PL" sz="3600">
+                <a:solidFill>
+                  <a:srgbClr val="0033CC"/>
+                </a:solidFill>
+              </a:rPr>
+              <a:t> akcjonariusza i realiz</a:t>
+            </a:r>
+            <a:r>
+              <a:rPr lang="en-US" sz="3600">
+                <a:solidFill>
+                  <a:srgbClr val="0033CC"/>
+                </a:solidFill>
+              </a:rPr>
+              <a:t>uje</a:t>
+            </a:r>
+            <a:r>
+              <a:rPr lang="pl-PL" sz="3600">
+                <a:solidFill>
+                  <a:srgbClr val="0033CC"/>
+                </a:solidFill>
+              </a:rPr>
+              <a:t> jego poleceni</a:t>
+            </a:r>
+            <a:r>
+              <a:rPr lang="en-US" sz="3600">
+                <a:solidFill>
+                  <a:srgbClr val="0033CC"/>
+                </a:solidFill>
+              </a:rPr>
+              <a:t>e</a:t>
+            </a:r>
+            <a:endParaRPr lang="en-US" sz="3600">
+              <a:solidFill>
+                <a:srgbClr val="CC3300"/>
+              </a:solidFill>
+            </a:endParaRPr>
+          </a:p>
+        </p:txBody>
+      </p:sp>
+      <p:sp>
+        <p:nvSpPr>
+          <p:cNvPr id="5" name="TextBox 4">
+            <a:extLst>
+              <a:ext uri="{FF2B5EF4-FFF2-40B4-BE49-F238E27FC236}">
+                <a16:creationId xmlns:a16="http://schemas.microsoft.com/office/drawing/2014/main" id="{954AC4B9-5C9D-46B6-BA76-72DF59DEB2DF}"/>
               </a:ext>
             </a:extLst>
           </p:cNvPr>
@@ -3667,7 +5184,7 @@
     </p:spTree>
     <p:extLst>
       <p:ext uri="{BB962C8B-B14F-4D97-AF65-F5344CB8AC3E}">
-        <p14:creationId xmlns:p14="http://schemas.microsoft.com/office/powerpoint/2010/main" val="3937759470"/>
+        <p14:creationId xmlns:p14="http://schemas.microsoft.com/office/powerpoint/2010/main" val="1984201666"/>
       </p:ext>
     </p:extLst>
   </p:cSld>
@@ -3770,6 +5287,282 @@
 </p:sld>
 </file>
 
+<file path=ppt/slides/slide20.xml><?xml version="1.0" encoding="utf-8"?>
+<p:sld xmlns:a="http://schemas.openxmlformats.org/drawingml/2006/main" xmlns:r="http://schemas.openxmlformats.org/officeDocument/2006/relationships" xmlns:p="http://schemas.openxmlformats.org/presentationml/2006/main" show="0">
+  <p:cSld>
+    <p:spTree>
+      <p:nvGrpSpPr>
+        <p:cNvPr id="1" name=""/>
+        <p:cNvGrpSpPr/>
+        <p:nvPr/>
+      </p:nvGrpSpPr>
+      <p:grpSpPr>
+        <a:xfrm>
+          <a:off x="0" y="0"/>
+          <a:ext cx="0" cy="0"/>
+          <a:chOff x="0" y="0"/>
+          <a:chExt cx="0" cy="0"/>
+        </a:xfrm>
+      </p:grpSpPr>
+      <p:sp>
+        <p:nvSpPr>
+          <p:cNvPr id="4" name="Content Placeholder 3">
+            <a:extLst>
+              <a:ext uri="{FF2B5EF4-FFF2-40B4-BE49-F238E27FC236}">
+                <a16:creationId xmlns:a16="http://schemas.microsoft.com/office/drawing/2014/main" id="{A2B348B6-D367-4167-809A-063C293949A1}"/>
+              </a:ext>
+            </a:extLst>
+          </p:cNvPr>
+          <p:cNvSpPr>
+            <a:spLocks noGrp="1"/>
+          </p:cNvSpPr>
+          <p:nvPr>
+            <p:ph idx="1"/>
+          </p:nvPr>
+        </p:nvSpPr>
+        <p:spPr/>
+        <p:txBody>
+          <a:bodyPr anchor="ctr">
+            <a:normAutofit/>
+          </a:bodyPr>
+          <a:lstStyle/>
+          <a:p>
+            <a:pPr marL="514350" indent="-514350">
+              <a:buFont typeface="+mj-lt"/>
+              <a:buAutoNum type="arabicPeriod" startAt="7"/>
+            </a:pPr>
+            <a:r>
+              <a:rPr lang="pl-PL" sz="2400">
+                <a:solidFill>
+                  <a:srgbClr val="0033CC"/>
+                </a:solidFill>
+              </a:rPr>
+              <a:t>Akcjonariusz przekazuje VC do PPRA i udowadnia kontrolę nad DIDem którego dotyczy ten VC</a:t>
+            </a:r>
+          </a:p>
+          <a:p>
+            <a:pPr marL="514350" indent="-514350">
+              <a:buFont typeface="+mj-lt"/>
+              <a:buAutoNum type="arabicPeriod" startAt="7"/>
+            </a:pPr>
+            <a:r>
+              <a:rPr lang="pl-PL" sz="2400">
+                <a:solidFill>
+                  <a:srgbClr val="0033CC"/>
+                </a:solidFill>
+              </a:rPr>
+              <a:t>PPRA weryfikuje VC upewniając się że został on podpisany kluczem przyporządkowanym do DIDa emitenta</a:t>
+            </a:r>
+          </a:p>
+          <a:p>
+            <a:pPr marL="514350" indent="-514350">
+              <a:buFont typeface="+mj-lt"/>
+              <a:buAutoNum type="arabicPeriod" startAt="7"/>
+            </a:pPr>
+            <a:r>
+              <a:rPr lang="pl-PL" sz="2400">
+                <a:solidFill>
+                  <a:srgbClr val="0033CC"/>
+                </a:solidFill>
+              </a:rPr>
+              <a:t>PPRA identyfikuje akcjonariusza na podstawie informacji zawartych w VC</a:t>
+            </a:r>
+          </a:p>
+          <a:p>
+            <a:pPr marL="514350" indent="-514350">
+              <a:buFont typeface="+mj-lt"/>
+              <a:buAutoNum type="arabicPeriod" startAt="7"/>
+            </a:pPr>
+            <a:r>
+              <a:rPr lang="pl-PL" sz="2400">
+                <a:solidFill>
+                  <a:srgbClr val="0033CC"/>
+                </a:solidFill>
+              </a:rPr>
+              <a:t>PPRA realizuje polecenie akcjonariusza</a:t>
+            </a:r>
+            <a:endParaRPr lang="en-US" sz="2400">
+              <a:solidFill>
+                <a:srgbClr val="0033CC"/>
+              </a:solidFill>
+            </a:endParaRPr>
+          </a:p>
+        </p:txBody>
+      </p:sp>
+      <p:sp>
+        <p:nvSpPr>
+          <p:cNvPr id="6" name="Title 1">
+            <a:extLst>
+              <a:ext uri="{FF2B5EF4-FFF2-40B4-BE49-F238E27FC236}">
+                <a16:creationId xmlns:a16="http://schemas.microsoft.com/office/drawing/2014/main" id="{CABFC867-4676-43F8-B9A4-E3447B978038}"/>
+              </a:ext>
+            </a:extLst>
+          </p:cNvPr>
+          <p:cNvSpPr txBox="1">
+            <a:spLocks/>
+          </p:cNvSpPr>
+          <p:nvPr/>
+        </p:nvSpPr>
+        <p:spPr>
+          <a:xfrm>
+            <a:off x="838200" y="495760"/>
+            <a:ext cx="10515600" cy="1325563"/>
+          </a:xfrm>
+          <a:prstGeom prst="rect">
+            <a:avLst/>
+          </a:prstGeom>
+        </p:spPr>
+        <p:txBody>
+          <a:bodyPr vert="horz" lIns="91440" tIns="45720" rIns="91440" bIns="45720" rtlCol="0" anchor="ctr">
+            <a:normAutofit/>
+          </a:bodyPr>
+          <a:lstStyle>
+            <a:lvl1pPr algn="l" defTabSz="914400" rtl="0" eaLnBrk="1" latinLnBrk="0" hangingPunct="1">
+              <a:lnSpc>
+                <a:spcPct val="90000"/>
+              </a:lnSpc>
+              <a:spcBef>
+                <a:spcPct val="0"/>
+              </a:spcBef>
+              <a:buNone/>
+              <a:defRPr sz="4400" kern="1200">
+                <a:solidFill>
+                  <a:schemeClr val="tx1"/>
+                </a:solidFill>
+                <a:latin typeface="+mj-lt"/>
+                <a:ea typeface="+mj-ea"/>
+                <a:cs typeface="+mj-cs"/>
+              </a:defRPr>
+            </a:lvl1pPr>
+          </a:lstStyle>
+          <a:p>
+            <a:r>
+              <a:rPr lang="en-US" sz="3600">
+                <a:solidFill>
+                  <a:srgbClr val="0033CC"/>
+                </a:solidFill>
+              </a:rPr>
+              <a:t>PPRA dokonuje </a:t>
+            </a:r>
+            <a:r>
+              <a:rPr lang="pl-PL" sz="3600">
+                <a:solidFill>
+                  <a:srgbClr val="0033CC"/>
+                </a:solidFill>
+              </a:rPr>
+              <a:t>identyfikacj</a:t>
+            </a:r>
+            <a:r>
+              <a:rPr lang="en-US" sz="3600">
+                <a:solidFill>
+                  <a:srgbClr val="0033CC"/>
+                </a:solidFill>
+              </a:rPr>
+              <a:t>i</a:t>
+            </a:r>
+            <a:r>
+              <a:rPr lang="pl-PL" sz="3600">
+                <a:solidFill>
+                  <a:srgbClr val="0033CC"/>
+                </a:solidFill>
+              </a:rPr>
+              <a:t> akcjonariusza i realiz</a:t>
+            </a:r>
+            <a:r>
+              <a:rPr lang="en-US" sz="3600">
+                <a:solidFill>
+                  <a:srgbClr val="0033CC"/>
+                </a:solidFill>
+              </a:rPr>
+              <a:t>uje</a:t>
+            </a:r>
+            <a:r>
+              <a:rPr lang="pl-PL" sz="3600">
+                <a:solidFill>
+                  <a:srgbClr val="0033CC"/>
+                </a:solidFill>
+              </a:rPr>
+              <a:t> jego poleceni</a:t>
+            </a:r>
+            <a:r>
+              <a:rPr lang="en-US" sz="3600">
+                <a:solidFill>
+                  <a:srgbClr val="0033CC"/>
+                </a:solidFill>
+              </a:rPr>
+              <a:t>e</a:t>
+            </a:r>
+            <a:endParaRPr lang="en-US" sz="3600">
+              <a:solidFill>
+                <a:srgbClr val="CC3300"/>
+              </a:solidFill>
+            </a:endParaRPr>
+          </a:p>
+        </p:txBody>
+      </p:sp>
+      <p:sp>
+        <p:nvSpPr>
+          <p:cNvPr id="7" name="TextBox 6">
+            <a:extLst>
+              <a:ext uri="{FF2B5EF4-FFF2-40B4-BE49-F238E27FC236}">
+                <a16:creationId xmlns:a16="http://schemas.microsoft.com/office/drawing/2014/main" id="{29DF8083-2FB1-43C8-906E-5E8B82153757}"/>
+              </a:ext>
+            </a:extLst>
+          </p:cNvPr>
+          <p:cNvSpPr txBox="1"/>
+          <p:nvPr/>
+        </p:nvSpPr>
+        <p:spPr>
+          <a:xfrm>
+            <a:off x="864327" y="186010"/>
+            <a:ext cx="2759153" cy="369332"/>
+          </a:xfrm>
+          <a:prstGeom prst="rect">
+            <a:avLst/>
+          </a:prstGeom>
+          <a:noFill/>
+        </p:spPr>
+        <p:txBody>
+          <a:bodyPr wrap="none" rtlCol="0">
+            <a:spAutoFit/>
+          </a:bodyPr>
+          <a:lstStyle/>
+          <a:p>
+            <a:r>
+              <a:rPr lang="pl-PL" u="sng">
+                <a:solidFill>
+                  <a:schemeClr val="tx1">
+                    <a:lumMod val="65000"/>
+                    <a:lumOff val="35000"/>
+                  </a:schemeClr>
+                </a:solidFill>
+              </a:rPr>
+              <a:t>Proces "akcjonariusz-PPRA"</a:t>
+            </a:r>
+            <a:endParaRPr lang="en-US" u="sng">
+              <a:solidFill>
+                <a:schemeClr val="tx1">
+                  <a:lumMod val="65000"/>
+                  <a:lumOff val="35000"/>
+                </a:schemeClr>
+              </a:solidFill>
+            </a:endParaRPr>
+          </a:p>
+        </p:txBody>
+      </p:sp>
+    </p:spTree>
+    <p:extLst>
+      <p:ext uri="{BB962C8B-B14F-4D97-AF65-F5344CB8AC3E}">
+        <p14:creationId xmlns:p14="http://schemas.microsoft.com/office/powerpoint/2010/main" val="3937759470"/>
+      </p:ext>
+    </p:extLst>
+  </p:cSld>
+  <p:clrMapOvr>
+    <a:masterClrMapping/>
+  </p:clrMapOvr>
+</p:sld>
+</file>
+
 <file path=ppt/slides/slide3.xml><?xml version="1.0" encoding="utf-8"?>
 <p:sld xmlns:a="http://schemas.openxmlformats.org/drawingml/2006/main" xmlns:r="http://schemas.openxmlformats.org/officeDocument/2006/relationships" xmlns:p="http://schemas.openxmlformats.org/presentationml/2006/main">
   <p:cSld>
@@ -3817,7 +5610,7 @@
       </p:sp>
       <p:pic>
         <p:nvPicPr>
-          <p:cNvPr id="5" name="Content Placeholder 4" descr="A screenshot of a computer&#10;&#10;Description automatically generated">
+          <p:cNvPr id="5" name="Content Placeholder 4">
             <a:extLst>
               <a:ext uri="{FF2B5EF4-FFF2-40B4-BE49-F238E27FC236}">
                 <a16:creationId xmlns:a16="http://schemas.microsoft.com/office/drawing/2014/main" id="{7B72DEA7-E12C-46B2-A944-97AEC76964E8}"/>
@@ -3839,21 +5632,20 @@
               </a:ext>
             </a:extLst>
           </a:blip>
-          <a:stretch>
-            <a:fillRect/>
-          </a:stretch>
+          <a:srcRect/>
+          <a:stretch/>
         </p:blipFill>
         <p:spPr>
           <a:xfrm>
             <a:off x="2136860" y="1825625"/>
-            <a:ext cx="7918279" cy="4351338"/>
+            <a:ext cx="7918279" cy="4351337"/>
           </a:xfrm>
         </p:spPr>
       </p:pic>
     </p:spTree>
     <p:extLst>
       <p:ext uri="{BB962C8B-B14F-4D97-AF65-F5344CB8AC3E}">
-        <p14:creationId xmlns:p14="http://schemas.microsoft.com/office/powerpoint/2010/main" val="2686954406"/>
+        <p14:creationId xmlns:p14="http://schemas.microsoft.com/office/powerpoint/2010/main" val="1633253147"/>
       </p:ext>
     </p:extLst>
   </p:cSld>
@@ -3908,209 +5700,44 @@
           </a:p>
         </p:txBody>
       </p:sp>
-      <p:sp>
-        <p:nvSpPr>
-          <p:cNvPr id="4" name="Content Placeholder 3">
-            <a:extLst>
-              <a:ext uri="{FF2B5EF4-FFF2-40B4-BE49-F238E27FC236}">
-                <a16:creationId xmlns:a16="http://schemas.microsoft.com/office/drawing/2014/main" id="{A2B348B6-D367-4167-809A-063C293949A1}"/>
-              </a:ext>
-            </a:extLst>
-          </p:cNvPr>
-          <p:cNvSpPr>
-            <a:spLocks noGrp="1"/>
-          </p:cNvSpPr>
+      <p:pic>
+        <p:nvPicPr>
+          <p:cNvPr id="5" name="Content Placeholder 4">
+            <a:extLst>
+              <a:ext uri="{FF2B5EF4-FFF2-40B4-BE49-F238E27FC236}">
+                <a16:creationId xmlns:a16="http://schemas.microsoft.com/office/drawing/2014/main" id="{7B72DEA7-E12C-46B2-A944-97AEC76964E8}"/>
+              </a:ext>
+            </a:extLst>
+          </p:cNvPr>
+          <p:cNvPicPr>
+            <a:picLocks noGrp="1" noChangeAspect="1"/>
+          </p:cNvPicPr>
           <p:nvPr>
             <p:ph idx="1"/>
           </p:nvPr>
-        </p:nvSpPr>
-        <p:spPr/>
-        <p:txBody>
-          <a:bodyPr>
-            <a:normAutofit fontScale="62500" lnSpcReduction="20000"/>
-          </a:bodyPr>
-          <a:lstStyle/>
-          <a:p>
-            <a:pPr marL="514350" indent="-514350">
-              <a:buFont typeface="+mj-lt"/>
-              <a:buAutoNum type="arabicPeriod"/>
-            </a:pPr>
-            <a:r>
-              <a:rPr lang="pl-PL">
-                <a:solidFill>
-                  <a:srgbClr val="CC3300"/>
-                </a:solidFill>
-              </a:rPr>
-              <a:t>Emitent generuje unikalny DID oraz parę kluczy (prywatny i publiczny)</a:t>
-            </a:r>
-          </a:p>
-          <a:p>
-            <a:pPr marL="514350" indent="-514350">
-              <a:buFont typeface="+mj-lt"/>
-              <a:buAutoNum type="arabicPeriod"/>
-            </a:pPr>
-            <a:r>
-              <a:rPr lang="pl-PL">
-                <a:solidFill>
-                  <a:srgbClr val="CC3300"/>
-                </a:solidFill>
-              </a:rPr>
-              <a:t>Emitent rejestruje na blockchainie swój DID oraz powiązany z nim klucz publiczny</a:t>
-            </a:r>
-          </a:p>
-          <a:p>
-            <a:pPr marL="514350" indent="-514350">
-              <a:buFont typeface="+mj-lt"/>
-              <a:buAutoNum type="arabicPeriod"/>
-            </a:pPr>
-            <a:r>
-              <a:rPr lang="pl-PL">
-                <a:solidFill>
-                  <a:srgbClr val="CC3300"/>
-                </a:solidFill>
-              </a:rPr>
-              <a:t>Emitent przesyła swój DID do PPRA</a:t>
-            </a:r>
-            <a:endParaRPr lang="en-US">
-              <a:solidFill>
-                <a:srgbClr val="CC3300"/>
-              </a:solidFill>
-            </a:endParaRPr>
-          </a:p>
-          <a:p>
-            <a:pPr marL="0" indent="0">
-              <a:buNone/>
-            </a:pPr>
-            <a:endParaRPr lang="pl-PL">
-              <a:solidFill>
-                <a:srgbClr val="CC3300"/>
-              </a:solidFill>
-            </a:endParaRPr>
-          </a:p>
-          <a:p>
-            <a:pPr marL="514350" indent="-514350">
-              <a:buFont typeface="+mj-lt"/>
-              <a:buAutoNum type="arabicPeriod" startAt="4"/>
-            </a:pPr>
-            <a:r>
-              <a:rPr lang="pl-PL">
-                <a:solidFill>
-                  <a:srgbClr val="008000"/>
-                </a:solidFill>
-              </a:rPr>
-              <a:t>Akcjonariusz generuje unikalny DID oraz parę kluczy (prywatny i publiczny)</a:t>
-            </a:r>
-          </a:p>
-          <a:p>
-            <a:pPr marL="514350" indent="-514350">
-              <a:buFont typeface="+mj-lt"/>
-              <a:buAutoNum type="arabicPeriod" startAt="4"/>
-            </a:pPr>
-            <a:r>
-              <a:rPr lang="pl-PL">
-                <a:solidFill>
-                  <a:srgbClr val="008000"/>
-                </a:solidFill>
-              </a:rPr>
-              <a:t>Akcjonariusz przesyła swój DID do emitenta</a:t>
-            </a:r>
-          </a:p>
-          <a:p>
-            <a:pPr marL="514350" indent="-514350">
-              <a:buFont typeface="+mj-lt"/>
-              <a:buAutoNum type="arabicPeriod" startAt="4"/>
-            </a:pPr>
-            <a:r>
-              <a:rPr lang="pl-PL">
-                <a:solidFill>
-                  <a:srgbClr val="008000"/>
-                </a:solidFill>
-              </a:rPr>
-              <a:t>Emitent identyfikuje akcjonariusza i przekazuje mu podpisany cyfrowo VC łączący DID akcjonariusza z jego danymi identyfikacyjnymi</a:t>
-            </a:r>
-            <a:endParaRPr lang="en-US">
-              <a:solidFill>
-                <a:srgbClr val="008000"/>
-              </a:solidFill>
-            </a:endParaRPr>
-          </a:p>
-          <a:p>
-            <a:pPr marL="0" indent="0">
-              <a:buNone/>
-            </a:pPr>
-            <a:endParaRPr lang="pl-PL">
-              <a:solidFill>
-                <a:srgbClr val="008000"/>
-              </a:solidFill>
-            </a:endParaRPr>
-          </a:p>
-          <a:p>
-            <a:pPr marL="514350" indent="-514350">
-              <a:buFont typeface="+mj-lt"/>
-              <a:buAutoNum type="arabicPeriod" startAt="7"/>
-            </a:pPr>
-            <a:r>
-              <a:rPr lang="pl-PL">
-                <a:solidFill>
-                  <a:srgbClr val="0033CC"/>
-                </a:solidFill>
-              </a:rPr>
-              <a:t>Akcjonariusz przekazuje VC do PPRA i udowadnia kontrolę nad DIDem którego dotyczy ten VC</a:t>
-            </a:r>
-          </a:p>
-          <a:p>
-            <a:pPr marL="514350" indent="-514350">
-              <a:buFont typeface="+mj-lt"/>
-              <a:buAutoNum type="arabicPeriod" startAt="7"/>
-            </a:pPr>
-            <a:r>
-              <a:rPr lang="pl-PL">
-                <a:solidFill>
-                  <a:srgbClr val="0033CC"/>
-                </a:solidFill>
-              </a:rPr>
-              <a:t>PPRA weryfikuje VC upewniając się że został on podpisany kluczem przyporządkowanym do DIDa emitenta</a:t>
-            </a:r>
-          </a:p>
-          <a:p>
-            <a:pPr marL="514350" indent="-514350">
-              <a:buFont typeface="+mj-lt"/>
-              <a:buAutoNum type="arabicPeriod" startAt="7"/>
-            </a:pPr>
-            <a:r>
-              <a:rPr lang="pl-PL">
-                <a:solidFill>
-                  <a:srgbClr val="0033CC"/>
-                </a:solidFill>
-              </a:rPr>
-              <a:t>PPRA identyfikuje akcjonariusza na podstawie informacji zawartych w VC</a:t>
-            </a:r>
-          </a:p>
-          <a:p>
-            <a:pPr marL="514350" indent="-514350">
-              <a:buFont typeface="+mj-lt"/>
-              <a:buAutoNum type="arabicPeriod" startAt="7"/>
-            </a:pPr>
-            <a:r>
-              <a:rPr lang="pl-PL">
-                <a:solidFill>
-                  <a:srgbClr val="0033CC"/>
-                </a:solidFill>
-              </a:rPr>
-              <a:t>PPRA realizuje polecenie akcjonariusza</a:t>
-            </a:r>
-            <a:endParaRPr lang="en-US">
-              <a:solidFill>
-                <a:srgbClr val="0033CC"/>
-              </a:solidFill>
-            </a:endParaRPr>
-          </a:p>
-        </p:txBody>
-      </p:sp>
+        </p:nvPicPr>
+        <p:blipFill>
+          <a:blip r:embed="rId2">
+            <a:extLst>
+              <a:ext uri="{28A0092B-C50C-407E-A947-70E740481C1C}">
+                <a14:useLocalDpi xmlns:a14="http://schemas.microsoft.com/office/drawing/2010/main" val="0"/>
+              </a:ext>
+            </a:extLst>
+          </a:blip>
+          <a:srcRect/>
+          <a:stretch/>
+        </p:blipFill>
+        <p:spPr>
+          <a:xfrm>
+            <a:off x="2136861" y="1825625"/>
+            <a:ext cx="7918277" cy="4351337"/>
+          </a:xfrm>
+        </p:spPr>
+      </p:pic>
     </p:spTree>
     <p:extLst>
       <p:ext uri="{BB962C8B-B14F-4D97-AF65-F5344CB8AC3E}">
-        <p14:creationId xmlns:p14="http://schemas.microsoft.com/office/powerpoint/2010/main" val="3035929881"/>
+        <p14:creationId xmlns:p14="http://schemas.microsoft.com/office/powerpoint/2010/main" val="894168155"/>
       </p:ext>
     </p:extLst>
   </p:cSld>
@@ -4153,80 +5780,24 @@
             <p:ph type="title"/>
           </p:nvPr>
         </p:nvSpPr>
-        <p:spPr>
-          <a:xfrm>
-            <a:off x="838200" y="495760"/>
-            <a:ext cx="10515600" cy="1325563"/>
-          </a:xfrm>
-        </p:spPr>
-        <p:txBody>
-          <a:bodyPr>
-            <a:normAutofit/>
-          </a:bodyPr>
-          <a:lstStyle/>
-          <a:p>
-            <a:r>
-              <a:rPr lang="en-US" sz="3600">
-                <a:solidFill>
-                  <a:srgbClr val="CC3300"/>
-                </a:solidFill>
-              </a:rPr>
-              <a:t>Emitent tworzy swój unikalny </a:t>
-            </a:r>
-            <a:r>
-              <a:rPr lang="pl-PL" sz="3600">
-                <a:solidFill>
-                  <a:srgbClr val="CC3300"/>
-                </a:solidFill>
-              </a:rPr>
-              <a:t>identyfikator i przekaz</a:t>
-            </a:r>
-            <a:r>
-              <a:rPr lang="en-US" sz="3600">
-                <a:solidFill>
-                  <a:srgbClr val="CC3300"/>
-                </a:solidFill>
-              </a:rPr>
-              <a:t>uje</a:t>
-            </a:r>
-            <a:r>
-              <a:rPr lang="pl-PL" sz="3600">
-                <a:solidFill>
-                  <a:srgbClr val="CC3300"/>
-                </a:solidFill>
-              </a:rPr>
-              <a:t> go </a:t>
-            </a:r>
-            <a:r>
-              <a:rPr lang="en-US" sz="3600">
-                <a:solidFill>
-                  <a:srgbClr val="CC3300"/>
-                </a:solidFill>
-              </a:rPr>
-              <a:t>do </a:t>
-            </a:r>
-            <a:r>
-              <a:rPr lang="pl-PL" sz="3600">
-                <a:solidFill>
-                  <a:srgbClr val="CC3300"/>
-                </a:solidFill>
-              </a:rPr>
-              <a:t>PPRA</a:t>
-            </a:r>
-            <a:endParaRPr lang="en-US" sz="3600">
-              <a:solidFill>
-                <a:srgbClr val="CC3300"/>
-              </a:solidFill>
-            </a:endParaRPr>
+        <p:spPr/>
+        <p:txBody>
+          <a:bodyPr/>
+          <a:lstStyle/>
+          <a:p>
+            <a:r>
+              <a:rPr lang="en-US"/>
+              <a:t>Zarys całego procesu</a:t>
+            </a:r>
           </a:p>
         </p:txBody>
       </p:sp>
       <p:pic>
         <p:nvPicPr>
-          <p:cNvPr id="7" name="Content Placeholder 6" descr="A screenshot of a computer&#10;&#10;Description automatically generated">
-            <a:extLst>
-              <a:ext uri="{FF2B5EF4-FFF2-40B4-BE49-F238E27FC236}">
-                <a16:creationId xmlns:a16="http://schemas.microsoft.com/office/drawing/2014/main" id="{F3D1BE4F-6746-43D0-B5F1-A3DDA028F7ED}"/>
+          <p:cNvPr id="5" name="Content Placeholder 4">
+            <a:extLst>
+              <a:ext uri="{FF2B5EF4-FFF2-40B4-BE49-F238E27FC236}">
+                <a16:creationId xmlns:a16="http://schemas.microsoft.com/office/drawing/2014/main" id="{7B72DEA7-E12C-46B2-A944-97AEC76964E8}"/>
               </a:ext>
             </a:extLst>
           </p:cNvPr>
@@ -4245,71 +5816,20 @@
               </a:ext>
             </a:extLst>
           </a:blip>
-          <a:stretch>
-            <a:fillRect/>
-          </a:stretch>
+          <a:srcRect/>
+          <a:stretch/>
         </p:blipFill>
         <p:spPr>
           <a:xfrm>
-            <a:off x="2136860" y="1991096"/>
-            <a:ext cx="7918279" cy="4351338"/>
+            <a:off x="2136861" y="1825625"/>
+            <a:ext cx="7918277" cy="4351336"/>
           </a:xfrm>
         </p:spPr>
       </p:pic>
-      <p:sp>
-        <p:nvSpPr>
-          <p:cNvPr id="8" name="TextBox 7">
-            <a:extLst>
-              <a:ext uri="{FF2B5EF4-FFF2-40B4-BE49-F238E27FC236}">
-                <a16:creationId xmlns:a16="http://schemas.microsoft.com/office/drawing/2014/main" id="{8EEEDBB6-7526-4BFF-9FAE-6E541F734DD5}"/>
-              </a:ext>
-            </a:extLst>
-          </p:cNvPr>
-          <p:cNvSpPr txBox="1"/>
-          <p:nvPr/>
-        </p:nvSpPr>
-        <p:spPr>
-          <a:xfrm>
-            <a:off x="864327" y="186010"/>
-            <a:ext cx="2410916" cy="369332"/>
-          </a:xfrm>
-          <a:prstGeom prst="rect">
-            <a:avLst/>
-          </a:prstGeom>
-          <a:noFill/>
-        </p:spPr>
-        <p:txBody>
-          <a:bodyPr wrap="none" rtlCol="0">
-            <a:spAutoFit/>
-          </a:bodyPr>
-          <a:lstStyle/>
-          <a:p>
-            <a:r>
-              <a:rPr lang="pl-PL" u="sng">
-                <a:solidFill>
-                  <a:schemeClr val="tx1">
-                    <a:lumMod val="65000"/>
-                    <a:lumOff val="35000"/>
-                  </a:schemeClr>
-                </a:solidFill>
-              </a:rPr>
-              <a:t>Proces "emitent-PPRA"</a:t>
-            </a:r>
-            <a:endParaRPr lang="en-US" u="sng">
-              <a:solidFill>
-                <a:schemeClr val="tx1">
-                  <a:lumMod val="65000"/>
-                  <a:lumOff val="35000"/>
-                </a:schemeClr>
-              </a:solidFill>
-            </a:endParaRPr>
-          </a:p>
-        </p:txBody>
-      </p:sp>
     </p:spTree>
     <p:extLst>
       <p:ext uri="{BB962C8B-B14F-4D97-AF65-F5344CB8AC3E}">
-        <p14:creationId xmlns:p14="http://schemas.microsoft.com/office/powerpoint/2010/main" val="4191731600"/>
+        <p14:creationId xmlns:p14="http://schemas.microsoft.com/office/powerpoint/2010/main" val="1122858673"/>
       </p:ext>
     </p:extLst>
   </p:cSld>
@@ -4338,208 +5858,70 @@
       </p:grpSpPr>
       <p:sp>
         <p:nvSpPr>
-          <p:cNvPr id="4" name="Content Placeholder 3">
-            <a:extLst>
-              <a:ext uri="{FF2B5EF4-FFF2-40B4-BE49-F238E27FC236}">
-                <a16:creationId xmlns:a16="http://schemas.microsoft.com/office/drawing/2014/main" id="{A2B348B6-D367-4167-809A-063C293949A1}"/>
-              </a:ext>
-            </a:extLst>
-          </p:cNvPr>
-          <p:cNvSpPr>
-            <a:spLocks noGrp="1"/>
-          </p:cNvSpPr>
+          <p:cNvPr id="2" name="Title 1">
+            <a:extLst>
+              <a:ext uri="{FF2B5EF4-FFF2-40B4-BE49-F238E27FC236}">
+                <a16:creationId xmlns:a16="http://schemas.microsoft.com/office/drawing/2014/main" id="{398B77E0-C3AC-496A-87EC-E9A1FBFD1637}"/>
+              </a:ext>
+            </a:extLst>
+          </p:cNvPr>
+          <p:cNvSpPr>
+            <a:spLocks noGrp="1"/>
+          </p:cNvSpPr>
+          <p:nvPr>
+            <p:ph type="title"/>
+          </p:nvPr>
+        </p:nvSpPr>
+        <p:spPr/>
+        <p:txBody>
+          <a:bodyPr/>
+          <a:lstStyle/>
+          <a:p>
+            <a:r>
+              <a:rPr lang="en-US"/>
+              <a:t>Zarys całego procesu</a:t>
+            </a:r>
+          </a:p>
+        </p:txBody>
+      </p:sp>
+      <p:pic>
+        <p:nvPicPr>
+          <p:cNvPr id="5" name="Content Placeholder 4">
+            <a:extLst>
+              <a:ext uri="{FF2B5EF4-FFF2-40B4-BE49-F238E27FC236}">
+                <a16:creationId xmlns:a16="http://schemas.microsoft.com/office/drawing/2014/main" id="{7B72DEA7-E12C-46B2-A944-97AEC76964E8}"/>
+              </a:ext>
+            </a:extLst>
+          </p:cNvPr>
+          <p:cNvPicPr>
+            <a:picLocks noGrp="1" noChangeAspect="1"/>
+          </p:cNvPicPr>
           <p:nvPr>
             <p:ph idx="1"/>
           </p:nvPr>
-        </p:nvSpPr>
-        <p:spPr/>
-        <p:txBody>
-          <a:bodyPr anchor="ctr">
-            <a:normAutofit/>
-          </a:bodyPr>
-          <a:lstStyle/>
-          <a:p>
-            <a:pPr marL="514350" indent="-514350">
-              <a:buFont typeface="+mj-lt"/>
-              <a:buAutoNum type="arabicPeriod"/>
-            </a:pPr>
-            <a:r>
-              <a:rPr lang="pl-PL" sz="2400">
-                <a:solidFill>
-                  <a:srgbClr val="CC3300"/>
-                </a:solidFill>
-              </a:rPr>
-              <a:t>Emitent generuje unikalny DID oraz parę kluczy (prywatny i publiczny)</a:t>
-            </a:r>
-          </a:p>
-          <a:p>
-            <a:pPr marL="514350" indent="-514350">
-              <a:buFont typeface="+mj-lt"/>
-              <a:buAutoNum type="arabicPeriod"/>
-            </a:pPr>
-            <a:r>
-              <a:rPr lang="pl-PL" sz="2400">
-                <a:solidFill>
-                  <a:srgbClr val="CC3300"/>
-                </a:solidFill>
-              </a:rPr>
-              <a:t>Emitent rejestruje na blockchainie swój DID oraz powiązany z nim klucz publiczny</a:t>
-            </a:r>
-          </a:p>
-          <a:p>
-            <a:pPr marL="514350" indent="-514350">
-              <a:buFont typeface="+mj-lt"/>
-              <a:buAutoNum type="arabicPeriod"/>
-            </a:pPr>
-            <a:r>
-              <a:rPr lang="pl-PL" sz="2400">
-                <a:solidFill>
-                  <a:srgbClr val="CC3300"/>
-                </a:solidFill>
-              </a:rPr>
-              <a:t>Emitent przesyła swój DID do PPRA</a:t>
-            </a:r>
-          </a:p>
-        </p:txBody>
-      </p:sp>
-      <p:sp>
-        <p:nvSpPr>
-          <p:cNvPr id="6" name="Title 1">
-            <a:extLst>
-              <a:ext uri="{FF2B5EF4-FFF2-40B4-BE49-F238E27FC236}">
-                <a16:creationId xmlns:a16="http://schemas.microsoft.com/office/drawing/2014/main" id="{70330C0A-E38E-4DBC-8947-D1E3C19C613D}"/>
-              </a:ext>
-            </a:extLst>
-          </p:cNvPr>
-          <p:cNvSpPr>
-            <a:spLocks noGrp="1"/>
-          </p:cNvSpPr>
-          <p:nvPr>
-            <p:ph type="title"/>
-          </p:nvPr>
-        </p:nvSpPr>
+        </p:nvPicPr>
+        <p:blipFill>
+          <a:blip r:embed="rId2">
+            <a:extLst>
+              <a:ext uri="{28A0092B-C50C-407E-A947-70E740481C1C}">
+                <a14:useLocalDpi xmlns:a14="http://schemas.microsoft.com/office/drawing/2010/main" val="0"/>
+              </a:ext>
+            </a:extLst>
+          </a:blip>
+          <a:srcRect/>
+          <a:stretch/>
+        </p:blipFill>
         <p:spPr>
           <a:xfrm>
-            <a:off x="838200" y="495760"/>
-            <a:ext cx="10515600" cy="1325563"/>
+            <a:off x="2136862" y="1825625"/>
+            <a:ext cx="7918275" cy="4351336"/>
           </a:xfrm>
         </p:spPr>
-        <p:txBody>
-          <a:bodyPr>
-            <a:normAutofit/>
-          </a:bodyPr>
-          <a:lstStyle/>
-          <a:p>
-            <a:r>
-              <a:rPr lang="en-US" sz="3600">
-                <a:solidFill>
-                  <a:srgbClr val="CC3300"/>
-                </a:solidFill>
-              </a:rPr>
-              <a:t>Emitent tworzy swój unikalny </a:t>
-            </a:r>
-            <a:r>
-              <a:rPr lang="pl-PL" sz="3600">
-                <a:solidFill>
-                  <a:srgbClr val="CC3300"/>
-                </a:solidFill>
-              </a:rPr>
-              <a:t>identyfikator i przekaz</a:t>
-            </a:r>
-            <a:r>
-              <a:rPr lang="en-US" sz="3600">
-                <a:solidFill>
-                  <a:srgbClr val="CC3300"/>
-                </a:solidFill>
-              </a:rPr>
-              <a:t>uje</a:t>
-            </a:r>
-            <a:r>
-              <a:rPr lang="pl-PL" sz="3600">
-                <a:solidFill>
-                  <a:srgbClr val="CC3300"/>
-                </a:solidFill>
-              </a:rPr>
-              <a:t> go </a:t>
-            </a:r>
-            <a:r>
-              <a:rPr lang="en-US" sz="3600">
-                <a:solidFill>
-                  <a:srgbClr val="CC3300"/>
-                </a:solidFill>
-              </a:rPr>
-              <a:t>do </a:t>
-            </a:r>
-            <a:r>
-              <a:rPr lang="pl-PL" sz="3600">
-                <a:solidFill>
-                  <a:srgbClr val="CC3300"/>
-                </a:solidFill>
-              </a:rPr>
-              <a:t>PPRA</a:t>
-            </a:r>
-            <a:endParaRPr lang="en-US" sz="3600">
-              <a:solidFill>
-                <a:srgbClr val="CC3300"/>
-              </a:solidFill>
-            </a:endParaRPr>
-          </a:p>
-        </p:txBody>
-      </p:sp>
-      <p:sp>
-        <p:nvSpPr>
-          <p:cNvPr id="7" name="TextBox 6">
-            <a:extLst>
-              <a:ext uri="{FF2B5EF4-FFF2-40B4-BE49-F238E27FC236}">
-                <a16:creationId xmlns:a16="http://schemas.microsoft.com/office/drawing/2014/main" id="{679C4AB1-17FB-4B8B-845E-404FA2998E21}"/>
-              </a:ext>
-            </a:extLst>
-          </p:cNvPr>
-          <p:cNvSpPr txBox="1"/>
-          <p:nvPr/>
-        </p:nvSpPr>
-        <p:spPr>
-          <a:xfrm>
-            <a:off x="864327" y="186010"/>
-            <a:ext cx="2410916" cy="369332"/>
-          </a:xfrm>
-          <a:prstGeom prst="rect">
-            <a:avLst/>
-          </a:prstGeom>
-          <a:noFill/>
-        </p:spPr>
-        <p:txBody>
-          <a:bodyPr wrap="none" rtlCol="0">
-            <a:spAutoFit/>
-          </a:bodyPr>
-          <a:lstStyle/>
-          <a:p>
-            <a:r>
-              <a:rPr lang="pl-PL" u="sng">
-                <a:solidFill>
-                  <a:schemeClr val="tx1">
-                    <a:lumMod val="65000"/>
-                    <a:lumOff val="35000"/>
-                  </a:schemeClr>
-                </a:solidFill>
-              </a:rPr>
-              <a:t>Proces "emitent-PPRA"</a:t>
-            </a:r>
-            <a:endParaRPr lang="en-US" u="sng">
-              <a:solidFill>
-                <a:schemeClr val="tx1">
-                  <a:lumMod val="65000"/>
-                  <a:lumOff val="35000"/>
-                </a:schemeClr>
-              </a:solidFill>
-            </a:endParaRPr>
-          </a:p>
-        </p:txBody>
-      </p:sp>
+      </p:pic>
     </p:spTree>
     <p:extLst>
       <p:ext uri="{BB962C8B-B14F-4D97-AF65-F5344CB8AC3E}">
-        <p14:creationId xmlns:p14="http://schemas.microsoft.com/office/powerpoint/2010/main" val="1998612065"/>
+        <p14:creationId xmlns:p14="http://schemas.microsoft.com/office/powerpoint/2010/main" val="3521402128"/>
       </p:ext>
     </p:extLst>
   </p:cSld>
@@ -4566,12 +5948,40 @@
           <a:chExt cx="0" cy="0"/>
         </a:xfrm>
       </p:grpSpPr>
+      <p:sp>
+        <p:nvSpPr>
+          <p:cNvPr id="2" name="Title 1">
+            <a:extLst>
+              <a:ext uri="{FF2B5EF4-FFF2-40B4-BE49-F238E27FC236}">
+                <a16:creationId xmlns:a16="http://schemas.microsoft.com/office/drawing/2014/main" id="{398B77E0-C3AC-496A-87EC-E9A1FBFD1637}"/>
+              </a:ext>
+            </a:extLst>
+          </p:cNvPr>
+          <p:cNvSpPr>
+            <a:spLocks noGrp="1"/>
+          </p:cNvSpPr>
+          <p:nvPr>
+            <p:ph type="title"/>
+          </p:nvPr>
+        </p:nvSpPr>
+        <p:spPr/>
+        <p:txBody>
+          <a:bodyPr/>
+          <a:lstStyle/>
+          <a:p>
+            <a:r>
+              <a:rPr lang="en-US"/>
+              <a:t>Zarys całego procesu</a:t>
+            </a:r>
+          </a:p>
+        </p:txBody>
+      </p:sp>
       <p:pic>
         <p:nvPicPr>
-          <p:cNvPr id="7" name="Content Placeholder 6">
-            <a:extLst>
-              <a:ext uri="{FF2B5EF4-FFF2-40B4-BE49-F238E27FC236}">
-                <a16:creationId xmlns:a16="http://schemas.microsoft.com/office/drawing/2014/main" id="{F3D1BE4F-6746-43D0-B5F1-A3DDA028F7ED}"/>
+          <p:cNvPr id="5" name="Content Placeholder 4">
+            <a:extLst>
+              <a:ext uri="{FF2B5EF4-FFF2-40B4-BE49-F238E27FC236}">
+                <a16:creationId xmlns:a16="http://schemas.microsoft.com/office/drawing/2014/main" id="{7B72DEA7-E12C-46B2-A944-97AEC76964E8}"/>
               </a:ext>
             </a:extLst>
           </p:cNvPr>
@@ -4595,184 +6005,15 @@
         </p:blipFill>
         <p:spPr>
           <a:xfrm>
-            <a:off x="2136860" y="1991090"/>
-            <a:ext cx="7918279" cy="4351337"/>
+            <a:off x="2136862" y="1825625"/>
+            <a:ext cx="7918275" cy="4351336"/>
           </a:xfrm>
         </p:spPr>
       </p:pic>
-      <p:sp>
-        <p:nvSpPr>
-          <p:cNvPr id="4" name="Title 1">
-            <a:extLst>
-              <a:ext uri="{FF2B5EF4-FFF2-40B4-BE49-F238E27FC236}">
-                <a16:creationId xmlns:a16="http://schemas.microsoft.com/office/drawing/2014/main" id="{0C01BE8B-2239-42DA-8F31-4834FC10FF95}"/>
-              </a:ext>
-            </a:extLst>
-          </p:cNvPr>
-          <p:cNvSpPr txBox="1">
-            <a:spLocks/>
-          </p:cNvSpPr>
-          <p:nvPr/>
-        </p:nvSpPr>
-        <p:spPr>
-          <a:xfrm>
-            <a:off x="838200" y="495760"/>
-            <a:ext cx="10515600" cy="1325563"/>
-          </a:xfrm>
-          <a:prstGeom prst="rect">
-            <a:avLst/>
-          </a:prstGeom>
-        </p:spPr>
-        <p:txBody>
-          <a:bodyPr vert="horz" lIns="91440" tIns="45720" rIns="91440" bIns="45720" rtlCol="0" anchor="ctr">
-            <a:normAutofit/>
-          </a:bodyPr>
-          <a:lstStyle>
-            <a:lvl1pPr algn="l" defTabSz="914400" rtl="0" eaLnBrk="1" latinLnBrk="0" hangingPunct="1">
-              <a:lnSpc>
-                <a:spcPct val="90000"/>
-              </a:lnSpc>
-              <a:spcBef>
-                <a:spcPct val="0"/>
-              </a:spcBef>
-              <a:buNone/>
-              <a:defRPr sz="4400" kern="1200">
-                <a:solidFill>
-                  <a:schemeClr val="tx1"/>
-                </a:solidFill>
-                <a:latin typeface="+mj-lt"/>
-                <a:ea typeface="+mj-ea"/>
-                <a:cs typeface="+mj-cs"/>
-              </a:defRPr>
-            </a:lvl1pPr>
-          </a:lstStyle>
-          <a:p>
-            <a:r>
-              <a:rPr lang="en-US" sz="3600">
-                <a:solidFill>
-                  <a:srgbClr val="008000"/>
-                </a:solidFill>
-              </a:rPr>
-              <a:t>E</a:t>
-            </a:r>
-            <a:r>
-              <a:rPr lang="pl-PL" sz="3600">
-                <a:solidFill>
-                  <a:srgbClr val="008000"/>
-                </a:solidFill>
-              </a:rPr>
-              <a:t>mitent </a:t>
-            </a:r>
-            <a:r>
-              <a:rPr lang="en-US" sz="3600">
-                <a:solidFill>
-                  <a:srgbClr val="008000"/>
-                </a:solidFill>
-              </a:rPr>
-              <a:t>tworzy </a:t>
-            </a:r>
-            <a:r>
-              <a:rPr lang="pl-PL" sz="3600">
-                <a:solidFill>
-                  <a:srgbClr val="008000"/>
-                </a:solidFill>
-              </a:rPr>
-              <a:t>certyfikat potwierdzając</a:t>
-            </a:r>
-            <a:r>
-              <a:rPr lang="en-US" sz="3600">
-                <a:solidFill>
-                  <a:srgbClr val="008000"/>
-                </a:solidFill>
-              </a:rPr>
-              <a:t>y</a:t>
-            </a:r>
-            <a:r>
-              <a:rPr lang="pl-PL" sz="3600">
-                <a:solidFill>
-                  <a:srgbClr val="008000"/>
-                </a:solidFill>
-              </a:rPr>
-              <a:t> tożsamość akcjonariusza i przekaz</a:t>
-            </a:r>
-            <a:r>
-              <a:rPr lang="en-US" sz="3600">
-                <a:solidFill>
-                  <a:srgbClr val="008000"/>
-                </a:solidFill>
-              </a:rPr>
-              <a:t>uje</a:t>
-            </a:r>
-            <a:r>
-              <a:rPr lang="pl-PL" sz="3600">
-                <a:solidFill>
-                  <a:srgbClr val="008000"/>
-                </a:solidFill>
-              </a:rPr>
-              <a:t> go akcjonariuszowi</a:t>
-            </a:r>
-            <a:endParaRPr lang="en-US" sz="3600">
-              <a:solidFill>
-                <a:srgbClr val="CC3300"/>
-              </a:solidFill>
-            </a:endParaRPr>
-          </a:p>
-        </p:txBody>
-      </p:sp>
-      <p:sp>
-        <p:nvSpPr>
-          <p:cNvPr id="5" name="TextBox 4">
-            <a:extLst>
-              <a:ext uri="{FF2B5EF4-FFF2-40B4-BE49-F238E27FC236}">
-                <a16:creationId xmlns:a16="http://schemas.microsoft.com/office/drawing/2014/main" id="{DB4FDBC0-3E6E-42C4-B424-2B037505206C}"/>
-              </a:ext>
-            </a:extLst>
-          </p:cNvPr>
-          <p:cNvSpPr txBox="1"/>
-          <p:nvPr/>
-        </p:nvSpPr>
-        <p:spPr>
-          <a:xfrm>
-            <a:off x="864327" y="186010"/>
-            <a:ext cx="3003002" cy="369332"/>
-          </a:xfrm>
-          <a:prstGeom prst="rect">
-            <a:avLst/>
-          </a:prstGeom>
-          <a:noFill/>
-        </p:spPr>
-        <p:txBody>
-          <a:bodyPr wrap="none" rtlCol="0">
-            <a:spAutoFit/>
-          </a:bodyPr>
-          <a:lstStyle/>
-          <a:p>
-            <a:r>
-              <a:rPr lang="pl-PL" u="sng">
-                <a:solidFill>
-                  <a:schemeClr val="tx1">
-                    <a:lumMod val="65000"/>
-                    <a:lumOff val="35000"/>
-                  </a:schemeClr>
-                </a:solidFill>
-              </a:rPr>
-              <a:t>Proces "akcjonariusz-emitent"</a:t>
-            </a:r>
-            <a:endParaRPr lang="en-US" u="sng">
-              <a:solidFill>
-                <a:schemeClr val="tx1">
-                  <a:lumMod val="65000"/>
-                  <a:lumOff val="35000"/>
-                </a:schemeClr>
-              </a:solidFill>
-            </a:endParaRPr>
-          </a:p>
-        </p:txBody>
-      </p:sp>
     </p:spTree>
     <p:extLst>
       <p:ext uri="{BB962C8B-B14F-4D97-AF65-F5344CB8AC3E}">
-        <p14:creationId xmlns:p14="http://schemas.microsoft.com/office/powerpoint/2010/main" val="880087878"/>
+        <p14:creationId xmlns:p14="http://schemas.microsoft.com/office/powerpoint/2010/main" val="162695330"/>
       </p:ext>
     </p:extLst>
   </p:cSld>
@@ -4801,243 +6042,70 @@
       </p:grpSpPr>
       <p:sp>
         <p:nvSpPr>
-          <p:cNvPr id="4" name="Content Placeholder 3">
-            <a:extLst>
-              <a:ext uri="{FF2B5EF4-FFF2-40B4-BE49-F238E27FC236}">
-                <a16:creationId xmlns:a16="http://schemas.microsoft.com/office/drawing/2014/main" id="{A2B348B6-D367-4167-809A-063C293949A1}"/>
-              </a:ext>
-            </a:extLst>
-          </p:cNvPr>
-          <p:cNvSpPr>
-            <a:spLocks noGrp="1"/>
-          </p:cNvSpPr>
+          <p:cNvPr id="2" name="Title 1">
+            <a:extLst>
+              <a:ext uri="{FF2B5EF4-FFF2-40B4-BE49-F238E27FC236}">
+                <a16:creationId xmlns:a16="http://schemas.microsoft.com/office/drawing/2014/main" id="{398B77E0-C3AC-496A-87EC-E9A1FBFD1637}"/>
+              </a:ext>
+            </a:extLst>
+          </p:cNvPr>
+          <p:cNvSpPr>
+            <a:spLocks noGrp="1"/>
+          </p:cNvSpPr>
+          <p:nvPr>
+            <p:ph type="title"/>
+          </p:nvPr>
+        </p:nvSpPr>
+        <p:spPr/>
+        <p:txBody>
+          <a:bodyPr/>
+          <a:lstStyle/>
+          <a:p>
+            <a:r>
+              <a:rPr lang="en-US"/>
+              <a:t>Zarys całego procesu</a:t>
+            </a:r>
+          </a:p>
+        </p:txBody>
+      </p:sp>
+      <p:pic>
+        <p:nvPicPr>
+          <p:cNvPr id="5" name="Content Placeholder 4">
+            <a:extLst>
+              <a:ext uri="{FF2B5EF4-FFF2-40B4-BE49-F238E27FC236}">
+                <a16:creationId xmlns:a16="http://schemas.microsoft.com/office/drawing/2014/main" id="{7B72DEA7-E12C-46B2-A944-97AEC76964E8}"/>
+              </a:ext>
+            </a:extLst>
+          </p:cNvPr>
+          <p:cNvPicPr>
+            <a:picLocks noGrp="1" noChangeAspect="1"/>
+          </p:cNvPicPr>
           <p:nvPr>
             <p:ph idx="1"/>
           </p:nvPr>
-        </p:nvSpPr>
-        <p:spPr/>
-        <p:txBody>
-          <a:bodyPr anchor="ctr">
-            <a:normAutofit/>
-          </a:bodyPr>
-          <a:lstStyle/>
-          <a:p>
-            <a:pPr marL="514350" indent="-514350">
-              <a:buFont typeface="+mj-lt"/>
-              <a:buAutoNum type="arabicPeriod" startAt="4"/>
-            </a:pPr>
-            <a:r>
-              <a:rPr lang="pl-PL" sz="2400">
-                <a:solidFill>
-                  <a:srgbClr val="008000"/>
-                </a:solidFill>
-              </a:rPr>
-              <a:t>Akcjonariusz generuje unikalny DID oraz parę kluczy (prywatny i publiczny)</a:t>
-            </a:r>
-          </a:p>
-          <a:p>
-            <a:pPr marL="514350" indent="-514350">
-              <a:buFont typeface="+mj-lt"/>
-              <a:buAutoNum type="arabicPeriod" startAt="4"/>
-            </a:pPr>
-            <a:r>
-              <a:rPr lang="pl-PL" sz="2400">
-                <a:solidFill>
-                  <a:srgbClr val="008000"/>
-                </a:solidFill>
-              </a:rPr>
-              <a:t>Akcjonariusz przesyła swój DID do emitenta</a:t>
-            </a:r>
-          </a:p>
-          <a:p>
-            <a:pPr marL="514350" indent="-514350">
-              <a:buFont typeface="+mj-lt"/>
-              <a:buAutoNum type="arabicPeriod" startAt="4"/>
-            </a:pPr>
-            <a:r>
-              <a:rPr lang="pl-PL" sz="2400">
-                <a:solidFill>
-                  <a:srgbClr val="008000"/>
-                </a:solidFill>
-              </a:rPr>
-              <a:t>Emitent identyfikuje akcjonariusza i przekazuje mu podpisany cyfrowo VC łączący DID akcjonariusza z jego danymi identyfikacyjnymi</a:t>
-            </a:r>
-          </a:p>
-        </p:txBody>
-      </p:sp>
-      <p:sp>
-        <p:nvSpPr>
-          <p:cNvPr id="6" name="Title 1">
-            <a:extLst>
-              <a:ext uri="{FF2B5EF4-FFF2-40B4-BE49-F238E27FC236}">
-                <a16:creationId xmlns:a16="http://schemas.microsoft.com/office/drawing/2014/main" id="{6A0CE6ED-01BD-46A3-A649-AEC887B00B54}"/>
-              </a:ext>
-            </a:extLst>
-          </p:cNvPr>
-          <p:cNvSpPr txBox="1">
-            <a:spLocks/>
-          </p:cNvSpPr>
-          <p:nvPr/>
-        </p:nvSpPr>
+        </p:nvPicPr>
+        <p:blipFill>
+          <a:blip r:embed="rId2">
+            <a:extLst>
+              <a:ext uri="{28A0092B-C50C-407E-A947-70E740481C1C}">
+                <a14:useLocalDpi xmlns:a14="http://schemas.microsoft.com/office/drawing/2010/main" val="0"/>
+              </a:ext>
+            </a:extLst>
+          </a:blip>
+          <a:srcRect/>
+          <a:stretch/>
+        </p:blipFill>
         <p:spPr>
           <a:xfrm>
-            <a:off x="838200" y="495760"/>
-            <a:ext cx="10515600" cy="1325563"/>
+            <a:off x="2136862" y="1825625"/>
+            <a:ext cx="7918275" cy="4351336"/>
           </a:xfrm>
-          <a:prstGeom prst="rect">
-            <a:avLst/>
-          </a:prstGeom>
         </p:spPr>
-        <p:txBody>
-          <a:bodyPr vert="horz" lIns="91440" tIns="45720" rIns="91440" bIns="45720" rtlCol="0" anchor="ctr">
-            <a:normAutofit/>
-          </a:bodyPr>
-          <a:lstStyle>
-            <a:lvl1pPr algn="l" defTabSz="914400" rtl="0" eaLnBrk="1" latinLnBrk="0" hangingPunct="1">
-              <a:lnSpc>
-                <a:spcPct val="90000"/>
-              </a:lnSpc>
-              <a:spcBef>
-                <a:spcPct val="0"/>
-              </a:spcBef>
-              <a:buNone/>
-              <a:defRPr sz="4400" kern="1200">
-                <a:solidFill>
-                  <a:schemeClr val="tx1"/>
-                </a:solidFill>
-                <a:latin typeface="+mj-lt"/>
-                <a:ea typeface="+mj-ea"/>
-                <a:cs typeface="+mj-cs"/>
-              </a:defRPr>
-            </a:lvl1pPr>
-          </a:lstStyle>
-          <a:p>
-            <a:r>
-              <a:rPr lang="en-US" sz="3600">
-                <a:solidFill>
-                  <a:srgbClr val="008000"/>
-                </a:solidFill>
-              </a:rPr>
-              <a:t>E</a:t>
-            </a:r>
-            <a:r>
-              <a:rPr lang="pl-PL" sz="3600">
-                <a:solidFill>
-                  <a:srgbClr val="008000"/>
-                </a:solidFill>
-              </a:rPr>
-              <a:t>mitent </a:t>
-            </a:r>
-            <a:r>
-              <a:rPr lang="en-US" sz="3600">
-                <a:solidFill>
-                  <a:srgbClr val="008000"/>
-                </a:solidFill>
-              </a:rPr>
-              <a:t>tworzy </a:t>
-            </a:r>
-            <a:r>
-              <a:rPr lang="pl-PL" sz="3600">
-                <a:solidFill>
-                  <a:srgbClr val="008000"/>
-                </a:solidFill>
-              </a:rPr>
-              <a:t>certyfikat potwierdzając</a:t>
-            </a:r>
-            <a:r>
-              <a:rPr lang="en-US" sz="3600">
-                <a:solidFill>
-                  <a:srgbClr val="008000"/>
-                </a:solidFill>
-              </a:rPr>
-              <a:t>y</a:t>
-            </a:r>
-            <a:r>
-              <a:rPr lang="pl-PL" sz="3600">
-                <a:solidFill>
-                  <a:srgbClr val="008000"/>
-                </a:solidFill>
-              </a:rPr>
-              <a:t> tożsamość akcjonariusza i przekaz</a:t>
-            </a:r>
-            <a:r>
-              <a:rPr lang="en-US" sz="3600">
-                <a:solidFill>
-                  <a:srgbClr val="008000"/>
-                </a:solidFill>
-              </a:rPr>
-              <a:t>uje</a:t>
-            </a:r>
-            <a:r>
-              <a:rPr lang="pl-PL" sz="3600">
-                <a:solidFill>
-                  <a:srgbClr val="008000"/>
-                </a:solidFill>
-              </a:rPr>
-              <a:t> go akcjonariuszowi</a:t>
-            </a:r>
-            <a:endParaRPr lang="en-US" sz="3600">
-              <a:solidFill>
-                <a:srgbClr val="CC3300"/>
-              </a:solidFill>
-            </a:endParaRPr>
-          </a:p>
-        </p:txBody>
-      </p:sp>
-      <p:sp>
-        <p:nvSpPr>
-          <p:cNvPr id="7" name="TextBox 6">
-            <a:extLst>
-              <a:ext uri="{FF2B5EF4-FFF2-40B4-BE49-F238E27FC236}">
-                <a16:creationId xmlns:a16="http://schemas.microsoft.com/office/drawing/2014/main" id="{D7579A7C-EF8B-43CD-B3CB-1DD3D01BD996}"/>
-              </a:ext>
-            </a:extLst>
-          </p:cNvPr>
-          <p:cNvSpPr txBox="1"/>
-          <p:nvPr/>
-        </p:nvSpPr>
-        <p:spPr>
-          <a:xfrm>
-            <a:off x="864327" y="186010"/>
-            <a:ext cx="3003002" cy="369332"/>
-          </a:xfrm>
-          <a:prstGeom prst="rect">
-            <a:avLst/>
-          </a:prstGeom>
-          <a:noFill/>
-        </p:spPr>
-        <p:txBody>
-          <a:bodyPr wrap="none" rtlCol="0">
-            <a:spAutoFit/>
-          </a:bodyPr>
-          <a:lstStyle/>
-          <a:p>
-            <a:r>
-              <a:rPr lang="pl-PL" u="sng">
-                <a:solidFill>
-                  <a:schemeClr val="tx1">
-                    <a:lumMod val="65000"/>
-                    <a:lumOff val="35000"/>
-                  </a:schemeClr>
-                </a:solidFill>
-              </a:rPr>
-              <a:t>Proces "akcjonariusz-emitent"</a:t>
-            </a:r>
-            <a:endParaRPr lang="en-US" u="sng">
-              <a:solidFill>
-                <a:schemeClr val="tx1">
-                  <a:lumMod val="65000"/>
-                  <a:lumOff val="35000"/>
-                </a:schemeClr>
-              </a:solidFill>
-            </a:endParaRPr>
-          </a:p>
-        </p:txBody>
-      </p:sp>
+      </p:pic>
     </p:spTree>
     <p:extLst>
       <p:ext uri="{BB962C8B-B14F-4D97-AF65-F5344CB8AC3E}">
-        <p14:creationId xmlns:p14="http://schemas.microsoft.com/office/powerpoint/2010/main" val="2216664587"/>
+        <p14:creationId xmlns:p14="http://schemas.microsoft.com/office/powerpoint/2010/main" val="3913622836"/>
       </p:ext>
     </p:extLst>
   </p:cSld>
@@ -5064,12 +6132,40 @@
           <a:chExt cx="0" cy="0"/>
         </a:xfrm>
       </p:grpSpPr>
+      <p:sp>
+        <p:nvSpPr>
+          <p:cNvPr id="2" name="Title 1">
+            <a:extLst>
+              <a:ext uri="{FF2B5EF4-FFF2-40B4-BE49-F238E27FC236}">
+                <a16:creationId xmlns:a16="http://schemas.microsoft.com/office/drawing/2014/main" id="{398B77E0-C3AC-496A-87EC-E9A1FBFD1637}"/>
+              </a:ext>
+            </a:extLst>
+          </p:cNvPr>
+          <p:cNvSpPr>
+            <a:spLocks noGrp="1"/>
+          </p:cNvSpPr>
+          <p:nvPr>
+            <p:ph type="title"/>
+          </p:nvPr>
+        </p:nvSpPr>
+        <p:spPr/>
+        <p:txBody>
+          <a:bodyPr/>
+          <a:lstStyle/>
+          <a:p>
+            <a:r>
+              <a:rPr lang="en-US"/>
+              <a:t>Zarys całego procesu</a:t>
+            </a:r>
+          </a:p>
+        </p:txBody>
+      </p:sp>
       <p:pic>
         <p:nvPicPr>
-          <p:cNvPr id="7" name="Content Placeholder 6">
-            <a:extLst>
-              <a:ext uri="{FF2B5EF4-FFF2-40B4-BE49-F238E27FC236}">
-                <a16:creationId xmlns:a16="http://schemas.microsoft.com/office/drawing/2014/main" id="{F3D1BE4F-6746-43D0-B5F1-A3DDA028F7ED}"/>
+          <p:cNvPr id="5" name="Content Placeholder 4">
+            <a:extLst>
+              <a:ext uri="{FF2B5EF4-FFF2-40B4-BE49-F238E27FC236}">
+                <a16:creationId xmlns:a16="http://schemas.microsoft.com/office/drawing/2014/main" id="{7B72DEA7-E12C-46B2-A944-97AEC76964E8}"/>
               </a:ext>
             </a:extLst>
           </p:cNvPr>
@@ -5093,176 +6189,15 @@
         </p:blipFill>
         <p:spPr>
           <a:xfrm>
-            <a:off x="2136860" y="1991093"/>
-            <a:ext cx="7918279" cy="4351337"/>
+            <a:off x="2136862" y="1825625"/>
+            <a:ext cx="7918275" cy="4351335"/>
           </a:xfrm>
         </p:spPr>
       </p:pic>
-      <p:sp>
-        <p:nvSpPr>
-          <p:cNvPr id="4" name="Title 1">
-            <a:extLst>
-              <a:ext uri="{FF2B5EF4-FFF2-40B4-BE49-F238E27FC236}">
-                <a16:creationId xmlns:a16="http://schemas.microsoft.com/office/drawing/2014/main" id="{BE488E81-12D8-43C5-BBB7-1BAE13A48745}"/>
-              </a:ext>
-            </a:extLst>
-          </p:cNvPr>
-          <p:cNvSpPr txBox="1">
-            <a:spLocks/>
-          </p:cNvSpPr>
-          <p:nvPr/>
-        </p:nvSpPr>
-        <p:spPr>
-          <a:xfrm>
-            <a:off x="838200" y="495760"/>
-            <a:ext cx="10515600" cy="1325563"/>
-          </a:xfrm>
-          <a:prstGeom prst="rect">
-            <a:avLst/>
-          </a:prstGeom>
-        </p:spPr>
-        <p:txBody>
-          <a:bodyPr vert="horz" lIns="91440" tIns="45720" rIns="91440" bIns="45720" rtlCol="0" anchor="ctr">
-            <a:normAutofit/>
-          </a:bodyPr>
-          <a:lstStyle>
-            <a:lvl1pPr algn="l" defTabSz="914400" rtl="0" eaLnBrk="1" latinLnBrk="0" hangingPunct="1">
-              <a:lnSpc>
-                <a:spcPct val="90000"/>
-              </a:lnSpc>
-              <a:spcBef>
-                <a:spcPct val="0"/>
-              </a:spcBef>
-              <a:buNone/>
-              <a:defRPr sz="4400" kern="1200">
-                <a:solidFill>
-                  <a:schemeClr val="tx1"/>
-                </a:solidFill>
-                <a:latin typeface="+mj-lt"/>
-                <a:ea typeface="+mj-ea"/>
-                <a:cs typeface="+mj-cs"/>
-              </a:defRPr>
-            </a:lvl1pPr>
-          </a:lstStyle>
-          <a:p>
-            <a:r>
-              <a:rPr lang="en-US" sz="3600">
-                <a:solidFill>
-                  <a:srgbClr val="0033CC"/>
-                </a:solidFill>
-              </a:rPr>
-              <a:t>PPRA dokonuje </a:t>
-            </a:r>
-            <a:r>
-              <a:rPr lang="pl-PL" sz="3600">
-                <a:solidFill>
-                  <a:srgbClr val="0033CC"/>
-                </a:solidFill>
-              </a:rPr>
-              <a:t>identyfikacj</a:t>
-            </a:r>
-            <a:r>
-              <a:rPr lang="en-US" sz="3600">
-                <a:solidFill>
-                  <a:srgbClr val="0033CC"/>
-                </a:solidFill>
-              </a:rPr>
-              <a:t>i</a:t>
-            </a:r>
-            <a:r>
-              <a:rPr lang="pl-PL" sz="3600">
-                <a:solidFill>
-                  <a:srgbClr val="0033CC"/>
-                </a:solidFill>
-              </a:rPr>
-              <a:t> akcjonariusza i realiz</a:t>
-            </a:r>
-            <a:r>
-              <a:rPr lang="en-US" sz="3600">
-                <a:solidFill>
-                  <a:srgbClr val="0033CC"/>
-                </a:solidFill>
-              </a:rPr>
-              <a:t>uje</a:t>
-            </a:r>
-            <a:r>
-              <a:rPr lang="pl-PL" sz="3600">
-                <a:solidFill>
-                  <a:srgbClr val="0033CC"/>
-                </a:solidFill>
-              </a:rPr>
-              <a:t> jego poleceni</a:t>
-            </a:r>
-            <a:r>
-              <a:rPr lang="en-US" sz="3600">
-                <a:solidFill>
-                  <a:srgbClr val="0033CC"/>
-                </a:solidFill>
-              </a:rPr>
-              <a:t>e</a:t>
-            </a:r>
-            <a:endParaRPr lang="en-US" sz="3600">
-              <a:solidFill>
-                <a:srgbClr val="CC3300"/>
-              </a:solidFill>
-            </a:endParaRPr>
-          </a:p>
-        </p:txBody>
-      </p:sp>
-      <p:sp>
-        <p:nvSpPr>
-          <p:cNvPr id="5" name="TextBox 4">
-            <a:extLst>
-              <a:ext uri="{FF2B5EF4-FFF2-40B4-BE49-F238E27FC236}">
-                <a16:creationId xmlns:a16="http://schemas.microsoft.com/office/drawing/2014/main" id="{954AC4B9-5C9D-46B6-BA76-72DF59DEB2DF}"/>
-              </a:ext>
-            </a:extLst>
-          </p:cNvPr>
-          <p:cNvSpPr txBox="1"/>
-          <p:nvPr/>
-        </p:nvSpPr>
-        <p:spPr>
-          <a:xfrm>
-            <a:off x="864327" y="186010"/>
-            <a:ext cx="2759153" cy="369332"/>
-          </a:xfrm>
-          <a:prstGeom prst="rect">
-            <a:avLst/>
-          </a:prstGeom>
-          <a:noFill/>
-        </p:spPr>
-        <p:txBody>
-          <a:bodyPr wrap="none" rtlCol="0">
-            <a:spAutoFit/>
-          </a:bodyPr>
-          <a:lstStyle/>
-          <a:p>
-            <a:r>
-              <a:rPr lang="pl-PL" u="sng">
-                <a:solidFill>
-                  <a:schemeClr val="tx1">
-                    <a:lumMod val="65000"/>
-                    <a:lumOff val="35000"/>
-                  </a:schemeClr>
-                </a:solidFill>
-              </a:rPr>
-              <a:t>Proces "akcjonariusz-PPRA"</a:t>
-            </a:r>
-            <a:endParaRPr lang="en-US" u="sng">
-              <a:solidFill>
-                <a:schemeClr val="tx1">
-                  <a:lumMod val="65000"/>
-                  <a:lumOff val="35000"/>
-                </a:schemeClr>
-              </a:solidFill>
-            </a:endParaRPr>
-          </a:p>
-        </p:txBody>
-      </p:sp>
     </p:spTree>
     <p:extLst>
       <p:ext uri="{BB962C8B-B14F-4D97-AF65-F5344CB8AC3E}">
-        <p14:creationId xmlns:p14="http://schemas.microsoft.com/office/powerpoint/2010/main" val="1984201666"/>
+        <p14:creationId xmlns:p14="http://schemas.microsoft.com/office/powerpoint/2010/main" val="3711940808"/>
       </p:ext>
     </p:extLst>
   </p:cSld>
